--- a/cours/Exercice Geometrie/Exercice Geometrie.pptx
+++ b/cours/Exercice Geometrie/Exercice Geometrie.pptx
@@ -6,6 +6,7 @@
   </p:sldMasterIdLst>
   <p:sldIdLst>
     <p:sldId id="256" r:id="rId2"/>
+    <p:sldId id="257" r:id="rId3"/>
   </p:sldIdLst>
   <p:sldSz cx="12192000" cy="6858000"/>
   <p:notesSz cx="6858000" cy="9144000"/>
@@ -834,7 +835,7 @@
           <a:p>
             <a:fld id="{A216A33E-05C9-4B27-97C3-A48251CD706C}" type="datetimeFigureOut">
               <a:rPr lang="fr-FR" smtClean="0"/>
-              <a:t>07/03/2022</a:t>
+              <a:t>12/03/2022</a:t>
             </a:fld>
             <a:endParaRPr lang="fr-FR"/>
           </a:p>
@@ -1085,7 +1086,7 @@
           <a:p>
             <a:fld id="{A216A33E-05C9-4B27-97C3-A48251CD706C}" type="datetimeFigureOut">
               <a:rPr lang="fr-FR" smtClean="0"/>
-              <a:t>07/03/2022</a:t>
+              <a:t>12/03/2022</a:t>
             </a:fld>
             <a:endParaRPr lang="fr-FR"/>
           </a:p>
@@ -1399,7 +1400,7 @@
           <a:p>
             <a:fld id="{A216A33E-05C9-4B27-97C3-A48251CD706C}" type="datetimeFigureOut">
               <a:rPr lang="fr-FR" smtClean="0"/>
-              <a:t>07/03/2022</a:t>
+              <a:t>12/03/2022</a:t>
             </a:fld>
             <a:endParaRPr lang="fr-FR"/>
           </a:p>
@@ -1740,7 +1741,7 @@
           <a:p>
             <a:fld id="{A216A33E-05C9-4B27-97C3-A48251CD706C}" type="datetimeFigureOut">
               <a:rPr lang="fr-FR" smtClean="0"/>
-              <a:t>07/03/2022</a:t>
+              <a:t>12/03/2022</a:t>
             </a:fld>
             <a:endParaRPr lang="fr-FR"/>
           </a:p>
@@ -2054,7 +2055,7 @@
           <a:p>
             <a:fld id="{A216A33E-05C9-4B27-97C3-A48251CD706C}" type="datetimeFigureOut">
               <a:rPr lang="fr-FR" smtClean="0"/>
-              <a:t>07/03/2022</a:t>
+              <a:t>12/03/2022</a:t>
             </a:fld>
             <a:endParaRPr lang="fr-FR"/>
           </a:p>
@@ -2447,7 +2448,7 @@
           <a:p>
             <a:fld id="{A216A33E-05C9-4B27-97C3-A48251CD706C}" type="datetimeFigureOut">
               <a:rPr lang="fr-FR" smtClean="0"/>
-              <a:t>07/03/2022</a:t>
+              <a:t>12/03/2022</a:t>
             </a:fld>
             <a:endParaRPr lang="fr-FR"/>
           </a:p>
@@ -2617,7 +2618,7 @@
           <a:p>
             <a:fld id="{A216A33E-05C9-4B27-97C3-A48251CD706C}" type="datetimeFigureOut">
               <a:rPr lang="fr-FR" smtClean="0"/>
-              <a:t>07/03/2022</a:t>
+              <a:t>12/03/2022</a:t>
             </a:fld>
             <a:endParaRPr lang="fr-FR"/>
           </a:p>
@@ -2797,7 +2798,7 @@
           <a:p>
             <a:fld id="{A216A33E-05C9-4B27-97C3-A48251CD706C}" type="datetimeFigureOut">
               <a:rPr lang="fr-FR" smtClean="0"/>
-              <a:t>07/03/2022</a:t>
+              <a:t>12/03/2022</a:t>
             </a:fld>
             <a:endParaRPr lang="fr-FR"/>
           </a:p>
@@ -2973,7 +2974,7 @@
           <a:p>
             <a:fld id="{A216A33E-05C9-4B27-97C3-A48251CD706C}" type="datetimeFigureOut">
               <a:rPr lang="fr-FR" smtClean="0"/>
-              <a:t>07/03/2022</a:t>
+              <a:t>12/03/2022</a:t>
             </a:fld>
             <a:endParaRPr lang="fr-FR"/>
           </a:p>
@@ -3220,7 +3221,7 @@
           <a:p>
             <a:fld id="{A216A33E-05C9-4B27-97C3-A48251CD706C}" type="datetimeFigureOut">
               <a:rPr lang="fr-FR" smtClean="0"/>
-              <a:t>07/03/2022</a:t>
+              <a:t>12/03/2022</a:t>
             </a:fld>
             <a:endParaRPr lang="fr-FR"/>
           </a:p>
@@ -3452,7 +3453,7 @@
           <a:p>
             <a:fld id="{A216A33E-05C9-4B27-97C3-A48251CD706C}" type="datetimeFigureOut">
               <a:rPr lang="fr-FR" smtClean="0"/>
-              <a:t>07/03/2022</a:t>
+              <a:t>12/03/2022</a:t>
             </a:fld>
             <a:endParaRPr lang="fr-FR"/>
           </a:p>
@@ -3826,7 +3827,7 @@
           <a:p>
             <a:fld id="{A216A33E-05C9-4B27-97C3-A48251CD706C}" type="datetimeFigureOut">
               <a:rPr lang="fr-FR" smtClean="0"/>
-              <a:t>07/03/2022</a:t>
+              <a:t>12/03/2022</a:t>
             </a:fld>
             <a:endParaRPr lang="fr-FR"/>
           </a:p>
@@ -3949,7 +3950,7 @@
           <a:p>
             <a:fld id="{A216A33E-05C9-4B27-97C3-A48251CD706C}" type="datetimeFigureOut">
               <a:rPr lang="fr-FR" smtClean="0"/>
-              <a:t>07/03/2022</a:t>
+              <a:t>12/03/2022</a:t>
             </a:fld>
             <a:endParaRPr lang="fr-FR"/>
           </a:p>
@@ -4044,7 +4045,7 @@
           <a:p>
             <a:fld id="{A216A33E-05C9-4B27-97C3-A48251CD706C}" type="datetimeFigureOut">
               <a:rPr lang="fr-FR" smtClean="0"/>
-              <a:t>07/03/2022</a:t>
+              <a:t>12/03/2022</a:t>
             </a:fld>
             <a:endParaRPr lang="fr-FR"/>
           </a:p>
@@ -4299,7 +4300,7 @@
           <a:p>
             <a:fld id="{A216A33E-05C9-4B27-97C3-A48251CD706C}" type="datetimeFigureOut">
               <a:rPr lang="fr-FR" smtClean="0"/>
-              <a:t>07/03/2022</a:t>
+              <a:t>12/03/2022</a:t>
             </a:fld>
             <a:endParaRPr lang="fr-FR"/>
           </a:p>
@@ -4562,7 +4563,7 @@
           <a:p>
             <a:fld id="{A216A33E-05C9-4B27-97C3-A48251CD706C}" type="datetimeFigureOut">
               <a:rPr lang="fr-FR" smtClean="0"/>
-              <a:t>07/03/2022</a:t>
+              <a:t>12/03/2022</a:t>
             </a:fld>
             <a:endParaRPr lang="fr-FR"/>
           </a:p>
@@ -5305,7 +5306,7 @@
           <a:p>
             <a:fld id="{A216A33E-05C9-4B27-97C3-A48251CD706C}" type="datetimeFigureOut">
               <a:rPr lang="fr-FR" smtClean="0"/>
-              <a:t>07/03/2022</a:t>
+              <a:t>12/03/2022</a:t>
             </a:fld>
             <a:endParaRPr lang="fr-FR"/>
           </a:p>
@@ -5889,7 +5890,7 @@
         </p:nvSpPr>
         <p:spPr>
           <a:xfrm>
-            <a:off x="628189" y="2329816"/>
+            <a:off x="797312" y="2091055"/>
             <a:ext cx="7114478" cy="4250194"/>
           </a:xfrm>
           <a:prstGeom prst="rect">
@@ -5936,7 +5937,7 @@
         <p:spPr>
           <a:xfrm>
             <a:off x="4174277" y="3586020"/>
-            <a:ext cx="2465348" cy="954107"/>
+            <a:ext cx="1669932" cy="584775"/>
           </a:xfrm>
           <a:prstGeom prst="rect">
             <a:avLst/>
@@ -5955,39 +5956,39 @@
           <a:lstStyle/>
           <a:p>
             <a:r>
-              <a:rPr lang="fr-FR" sz="1400" dirty="0" err="1"/>
+              <a:rPr lang="fr-FR" sz="800" dirty="0" err="1"/>
               <a:t>FigureGeometriqueInterface</a:t>
             </a:r>
-            <a:endParaRPr lang="fr-FR" sz="1400" dirty="0"/>
-          </a:p>
-          <a:p>
-            <a:endParaRPr lang="fr-FR" sz="1400" dirty="0"/>
-          </a:p>
-          <a:p>
-            <a:r>
-              <a:rPr lang="fr-FR" sz="1400" dirty="0"/>
+            <a:endParaRPr lang="fr-FR" sz="800" dirty="0"/>
+          </a:p>
+          <a:p>
+            <a:endParaRPr lang="fr-FR" sz="800" dirty="0"/>
+          </a:p>
+          <a:p>
+            <a:r>
+              <a:rPr lang="fr-FR" sz="800" dirty="0"/>
               <a:t> double </a:t>
             </a:r>
             <a:r>
-              <a:rPr lang="fr-FR" sz="1400" dirty="0" err="1"/>
+              <a:rPr lang="fr-FR" sz="800" dirty="0" err="1"/>
               <a:t>calculAire</a:t>
             </a:r>
             <a:r>
-              <a:rPr lang="fr-FR" sz="1400" dirty="0"/>
+              <a:rPr lang="fr-FR" sz="800" dirty="0"/>
               <a:t>();</a:t>
             </a:r>
           </a:p>
           <a:p>
             <a:r>
-              <a:rPr lang="fr-FR" sz="1400" dirty="0"/>
+              <a:rPr lang="fr-FR" sz="800" dirty="0"/>
               <a:t> double </a:t>
             </a:r>
             <a:r>
-              <a:rPr lang="fr-FR" sz="1400" dirty="0" err="1"/>
+              <a:rPr lang="fr-FR" sz="800" dirty="0" err="1"/>
               <a:t>calculPerimetre</a:t>
             </a:r>
             <a:r>
-              <a:rPr lang="fr-FR" sz="1400" dirty="0"/>
+              <a:rPr lang="fr-FR" sz="800" dirty="0"/>
               <a:t>()</a:t>
             </a:r>
           </a:p>
@@ -6007,8 +6008,8 @@
         </p:nvSpPr>
         <p:spPr>
           <a:xfrm>
-            <a:off x="964584" y="2939689"/>
-            <a:ext cx="2215373" cy="1600438"/>
+            <a:off x="1014280" y="2916678"/>
+            <a:ext cx="1460563" cy="954107"/>
           </a:xfrm>
           <a:prstGeom prst="rect">
             <a:avLst/>
@@ -6028,87 +6029,87 @@
           <a:p>
             <a:pPr algn="ctr"/>
             <a:r>
-              <a:rPr lang="fr-FR" sz="1400" u="sng" dirty="0" err="1"/>
+              <a:rPr lang="fr-FR" sz="800" u="sng" dirty="0" err="1"/>
               <a:t>Quadrilatere</a:t>
             </a:r>
-            <a:endParaRPr lang="fr-FR" sz="1400" u="sng" dirty="0"/>
+            <a:endParaRPr lang="fr-FR" sz="800" u="sng" dirty="0"/>
           </a:p>
           <a:p>
             <a:pPr algn="ctr"/>
-            <a:endParaRPr lang="fr-FR" sz="1400" u="sng" dirty="0"/>
-          </a:p>
-          <a:p>
-            <a:r>
-              <a:rPr lang="fr-FR" sz="1400" dirty="0"/>
+            <a:endParaRPr lang="fr-FR" sz="800" u="sng" dirty="0"/>
+          </a:p>
+          <a:p>
+            <a:r>
+              <a:rPr lang="fr-FR" sz="800" dirty="0"/>
               <a:t> </a:t>
             </a:r>
             <a:r>
-              <a:rPr lang="fr-FR" sz="1400" dirty="0" err="1"/>
+              <a:rPr lang="fr-FR" sz="800" dirty="0" err="1"/>
               <a:t>private</a:t>
             </a:r>
             <a:r>
-              <a:rPr lang="fr-FR" sz="1400" dirty="0"/>
+              <a:rPr lang="fr-FR" sz="800" dirty="0"/>
               <a:t> double cote;</a:t>
             </a:r>
           </a:p>
           <a:p>
             <a:r>
-              <a:rPr lang="fr-FR" sz="1400" dirty="0"/>
+              <a:rPr lang="fr-FR" sz="800" dirty="0"/>
               <a:t> </a:t>
             </a:r>
             <a:r>
-              <a:rPr lang="fr-FR" sz="1400" dirty="0" err="1"/>
+              <a:rPr lang="fr-FR" sz="800" dirty="0" err="1"/>
               <a:t>private</a:t>
             </a:r>
             <a:r>
-              <a:rPr lang="fr-FR" sz="1400" dirty="0"/>
+              <a:rPr lang="fr-FR" sz="800" dirty="0"/>
               <a:t> double longueur;</a:t>
             </a:r>
           </a:p>
           <a:p>
             <a:r>
-              <a:rPr lang="fr-FR" sz="1400" dirty="0"/>
+              <a:rPr lang="fr-FR" sz="800" dirty="0"/>
               <a:t> </a:t>
             </a:r>
             <a:r>
-              <a:rPr lang="fr-FR" sz="1400" dirty="0" err="1"/>
+              <a:rPr lang="fr-FR" sz="800" dirty="0" err="1"/>
               <a:t>private</a:t>
             </a:r>
             <a:r>
-              <a:rPr lang="fr-FR" sz="1400" dirty="0"/>
+              <a:rPr lang="fr-FR" sz="800" dirty="0"/>
               <a:t> double largeur;</a:t>
             </a:r>
           </a:p>
           <a:p>
-            <a:endParaRPr lang="fr-FR" sz="1400" dirty="0"/>
-          </a:p>
-          <a:p>
-            <a:r>
-              <a:rPr lang="fr-FR" sz="1400" dirty="0"/>
+            <a:endParaRPr lang="fr-FR" sz="800" dirty="0"/>
+          </a:p>
+          <a:p>
+            <a:r>
+              <a:rPr lang="fr-FR" sz="800" dirty="0"/>
               <a:t> </a:t>
             </a:r>
             <a:r>
-              <a:rPr lang="fr-FR" sz="1400" dirty="0" err="1"/>
+              <a:rPr lang="fr-FR" sz="800" dirty="0" err="1"/>
               <a:t>void</a:t>
             </a:r>
             <a:r>
-              <a:rPr lang="fr-FR" sz="1400" dirty="0"/>
+              <a:rPr lang="fr-FR" sz="800" dirty="0"/>
               <a:t> </a:t>
             </a:r>
             <a:r>
-              <a:rPr lang="fr-FR" sz="1400" dirty="0" err="1"/>
+              <a:rPr lang="fr-FR" sz="800" dirty="0" err="1"/>
               <a:t>color</a:t>
             </a:r>
             <a:r>
-              <a:rPr lang="fr-FR" sz="1400" dirty="0"/>
+              <a:rPr lang="fr-FR" sz="800" dirty="0"/>
               <a:t>(String </a:t>
             </a:r>
             <a:r>
-              <a:rPr lang="fr-FR" sz="1400" dirty="0" err="1"/>
+              <a:rPr lang="fr-FR" sz="800" dirty="0" err="1"/>
               <a:t>color</a:t>
             </a:r>
             <a:r>
-              <a:rPr lang="fr-FR" sz="1400" dirty="0"/>
+              <a:rPr lang="fr-FR" sz="800" dirty="0"/>
               <a:t>)</a:t>
             </a:r>
           </a:p>
@@ -6128,8 +6129,8 @@
         </p:nvSpPr>
         <p:spPr>
           <a:xfrm>
-            <a:off x="628189" y="4893975"/>
-            <a:ext cx="3384395" cy="523220"/>
+            <a:off x="628190" y="4893975"/>
+            <a:ext cx="2075254" cy="338554"/>
           </a:xfrm>
           <a:prstGeom prst="rect">
             <a:avLst/>
@@ -6149,40 +6150,40 @@
           <a:p>
             <a:pPr algn="ctr"/>
             <a:r>
-              <a:rPr lang="fr-FR" sz="1400" dirty="0"/>
+              <a:rPr lang="fr-FR" sz="800" dirty="0"/>
               <a:t>Carre </a:t>
             </a:r>
             <a:r>
-              <a:rPr lang="fr-FR" sz="1400" dirty="0" err="1"/>
+              <a:rPr lang="fr-FR" sz="800" dirty="0" err="1"/>
               <a:t>extends</a:t>
             </a:r>
             <a:r>
-              <a:rPr lang="fr-FR" sz="1400" dirty="0"/>
+              <a:rPr lang="fr-FR" sz="800" dirty="0"/>
               <a:t> </a:t>
             </a:r>
             <a:r>
-              <a:rPr lang="fr-FR" sz="1400" dirty="0" err="1"/>
+              <a:rPr lang="fr-FR" sz="800" dirty="0" err="1"/>
               <a:t>Quadrilatere</a:t>
             </a:r>
             <a:r>
-              <a:rPr lang="fr-FR" sz="1400" dirty="0"/>
+              <a:rPr lang="fr-FR" sz="800" dirty="0"/>
               <a:t> </a:t>
             </a:r>
           </a:p>
           <a:p>
             <a:r>
-              <a:rPr lang="fr-FR" sz="1400" dirty="0" err="1"/>
+              <a:rPr lang="fr-FR" sz="800" dirty="0" err="1"/>
               <a:t>Implement</a:t>
             </a:r>
             <a:r>
-              <a:rPr lang="fr-FR" sz="1400" dirty="0"/>
+              <a:rPr lang="fr-FR" sz="800" dirty="0"/>
               <a:t> </a:t>
             </a:r>
             <a:r>
-              <a:rPr lang="fr-FR" sz="1400" dirty="0" err="1"/>
+              <a:rPr lang="fr-FR" sz="800" dirty="0" err="1"/>
               <a:t>FigureGeometriqueInterface</a:t>
             </a:r>
-            <a:endParaRPr lang="fr-FR" sz="1400" dirty="0"/>
+            <a:endParaRPr lang="fr-FR" sz="800" dirty="0"/>
           </a:p>
         </p:txBody>
       </p:sp>
@@ -6201,7 +6202,7 @@
         <p:spPr>
           <a:xfrm>
             <a:off x="628189" y="5632638"/>
-            <a:ext cx="3363948" cy="523220"/>
+            <a:ext cx="2075254" cy="338554"/>
           </a:xfrm>
           <a:prstGeom prst="rect">
             <a:avLst/>
@@ -6221,37 +6222,37 @@
           <a:p>
             <a:pPr algn="ctr"/>
             <a:r>
-              <a:rPr lang="fr-FR" sz="1400" dirty="0"/>
+              <a:rPr lang="fr-FR" sz="800" dirty="0"/>
               <a:t>Rectangle </a:t>
             </a:r>
             <a:r>
-              <a:rPr lang="fr-FR" sz="1400" dirty="0" err="1"/>
+              <a:rPr lang="fr-FR" sz="800" dirty="0" err="1"/>
               <a:t>extends</a:t>
             </a:r>
             <a:r>
-              <a:rPr lang="fr-FR" sz="1400" dirty="0"/>
+              <a:rPr lang="fr-FR" sz="800" dirty="0"/>
               <a:t> </a:t>
             </a:r>
             <a:r>
-              <a:rPr lang="fr-FR" sz="1400" dirty="0" err="1"/>
+              <a:rPr lang="fr-FR" sz="800" dirty="0" err="1"/>
               <a:t>Quadrilatere</a:t>
             </a:r>
-            <a:endParaRPr lang="fr-FR" sz="1400" dirty="0"/>
-          </a:p>
-          <a:p>
-            <a:r>
-              <a:rPr lang="fr-FR" sz="1400" dirty="0" err="1"/>
+            <a:endParaRPr lang="fr-FR" sz="800" dirty="0"/>
+          </a:p>
+          <a:p>
+            <a:r>
+              <a:rPr lang="fr-FR" sz="800" dirty="0" err="1"/>
               <a:t>Implement</a:t>
             </a:r>
             <a:r>
-              <a:rPr lang="fr-FR" sz="1400" dirty="0"/>
+              <a:rPr lang="fr-FR" sz="800" dirty="0"/>
               <a:t> </a:t>
             </a:r>
             <a:r>
-              <a:rPr lang="fr-FR" sz="1400" dirty="0" err="1"/>
+              <a:rPr lang="fr-FR" sz="800" dirty="0" err="1"/>
               <a:t>FigureGeometriqueInterface</a:t>
             </a:r>
-            <a:endParaRPr lang="fr-FR" sz="1400" dirty="0"/>
+            <a:endParaRPr lang="fr-FR" sz="800" dirty="0"/>
           </a:p>
         </p:txBody>
       </p:sp>
@@ -6270,7 +6271,7 @@
         <p:spPr>
           <a:xfrm>
             <a:off x="4174277" y="5632638"/>
-            <a:ext cx="3384395" cy="523220"/>
+            <a:ext cx="2075255" cy="338554"/>
           </a:xfrm>
           <a:prstGeom prst="rect">
             <a:avLst/>
@@ -6290,25 +6291,25 @@
           <a:p>
             <a:pPr algn="ctr"/>
             <a:r>
-              <a:rPr lang="fr-FR" sz="1400" dirty="0" err="1"/>
+              <a:rPr lang="fr-FR" sz="800" dirty="0" err="1"/>
               <a:t>TriangleRectangle</a:t>
             </a:r>
-            <a:endParaRPr lang="fr-FR" sz="1400" dirty="0"/>
-          </a:p>
-          <a:p>
-            <a:r>
-              <a:rPr lang="fr-FR" sz="1400" dirty="0" err="1"/>
+            <a:endParaRPr lang="fr-FR" sz="800" dirty="0"/>
+          </a:p>
+          <a:p>
+            <a:r>
+              <a:rPr lang="fr-FR" sz="800" dirty="0" err="1"/>
               <a:t>Implement</a:t>
             </a:r>
             <a:r>
-              <a:rPr lang="fr-FR" sz="1400" dirty="0"/>
+              <a:rPr lang="fr-FR" sz="800" dirty="0"/>
               <a:t> </a:t>
             </a:r>
             <a:r>
-              <a:rPr lang="fr-FR" sz="1400" dirty="0" err="1"/>
+              <a:rPr lang="fr-FR" sz="800" dirty="0" err="1"/>
               <a:t>FigureGeometriqueInterface</a:t>
             </a:r>
-            <a:endParaRPr lang="fr-FR" sz="1400" dirty="0"/>
+            <a:endParaRPr lang="fr-FR" sz="800" dirty="0"/>
           </a:p>
         </p:txBody>
       </p:sp>
@@ -6326,8 +6327,8 @@
         </p:nvSpPr>
         <p:spPr>
           <a:xfrm>
-            <a:off x="4174277" y="4893975"/>
-            <a:ext cx="3384395" cy="523220"/>
+            <a:off x="4174278" y="4893975"/>
+            <a:ext cx="2075254" cy="338554"/>
           </a:xfrm>
           <a:prstGeom prst="rect">
             <a:avLst/>
@@ -6347,24 +6348,24 @@
           <a:p>
             <a:pPr algn="ctr"/>
             <a:r>
-              <a:rPr lang="fr-FR" sz="1400" dirty="0"/>
+              <a:rPr lang="fr-FR" sz="800" dirty="0"/>
               <a:t>Cercle</a:t>
             </a:r>
           </a:p>
           <a:p>
             <a:r>
-              <a:rPr lang="fr-FR" sz="1400" dirty="0" err="1"/>
+              <a:rPr lang="fr-FR" sz="800" dirty="0" err="1"/>
               <a:t>Implement</a:t>
             </a:r>
             <a:r>
-              <a:rPr lang="fr-FR" sz="1400" dirty="0"/>
+              <a:rPr lang="fr-FR" sz="800" dirty="0"/>
               <a:t> </a:t>
             </a:r>
             <a:r>
-              <a:rPr lang="fr-FR" sz="1400" dirty="0" err="1"/>
+              <a:rPr lang="fr-FR" sz="800" dirty="0" err="1"/>
               <a:t>FigureGeometriqueInterface</a:t>
             </a:r>
-            <a:endParaRPr lang="fr-FR" sz="1400" dirty="0"/>
+            <a:endParaRPr lang="fr-FR" sz="800" dirty="0"/>
           </a:p>
         </p:txBody>
       </p:sp>
@@ -6831,6 +6832,2835 @@
     <p:extLst>
       <p:ext uri="{BB962C8B-B14F-4D97-AF65-F5344CB8AC3E}">
         <p14:creationId xmlns:p14="http://schemas.microsoft.com/office/powerpoint/2010/main" val="3217453462"/>
+      </p:ext>
+    </p:extLst>
+  </p:cSld>
+  <p:clrMapOvr>
+    <a:masterClrMapping/>
+  </p:clrMapOvr>
+</p:sld>
+</file>
+
+<file path=ppt/slides/slide2.xml><?xml version="1.0" encoding="utf-8"?>
+<p:sld xmlns:a="http://schemas.openxmlformats.org/drawingml/2006/main" xmlns:r="http://schemas.openxmlformats.org/officeDocument/2006/relationships" xmlns:p="http://schemas.openxmlformats.org/presentationml/2006/main">
+  <p:cSld>
+    <p:spTree>
+      <p:nvGrpSpPr>
+        <p:cNvPr id="1" name=""/>
+        <p:cNvGrpSpPr/>
+        <p:nvPr/>
+      </p:nvGrpSpPr>
+      <p:grpSpPr>
+        <a:xfrm>
+          <a:off x="0" y="0"/>
+          <a:ext cx="0" cy="0"/>
+          <a:chOff x="0" y="0"/>
+          <a:chExt cx="0" cy="0"/>
+        </a:xfrm>
+      </p:grpSpPr>
+      <p:sp>
+        <p:nvSpPr>
+          <p:cNvPr id="88" name="Rectangle 87">
+            <a:extLst>
+              <a:ext uri="{FF2B5EF4-FFF2-40B4-BE49-F238E27FC236}">
+                <a16:creationId xmlns:a16="http://schemas.microsoft.com/office/drawing/2014/main" id="{F8D31103-2219-4F50-A59A-D27ECA19303B}"/>
+              </a:ext>
+            </a:extLst>
+          </p:cNvPr>
+          <p:cNvSpPr/>
+          <p:nvPr/>
+        </p:nvSpPr>
+        <p:spPr>
+          <a:xfrm>
+            <a:off x="103577" y="108523"/>
+            <a:ext cx="2205605" cy="6292041"/>
+          </a:xfrm>
+          <a:prstGeom prst="rect">
+            <a:avLst/>
+          </a:prstGeom>
+          <a:ln>
+            <a:solidFill>
+              <a:schemeClr val="tx1"/>
+            </a:solidFill>
+          </a:ln>
+        </p:spPr>
+        <p:style>
+          <a:lnRef idx="2">
+            <a:schemeClr val="accent6"/>
+          </a:lnRef>
+          <a:fillRef idx="1">
+            <a:schemeClr val="lt1"/>
+          </a:fillRef>
+          <a:effectRef idx="0">
+            <a:schemeClr val="accent6"/>
+          </a:effectRef>
+          <a:fontRef idx="minor">
+            <a:schemeClr val="dk1"/>
+          </a:fontRef>
+        </p:style>
+        <p:txBody>
+          <a:bodyPr rtlCol="0" anchor="ctr"/>
+          <a:lstStyle/>
+          <a:p>
+            <a:pPr algn="ctr"/>
+            <a:endParaRPr lang="fr-FR"/>
+          </a:p>
+        </p:txBody>
+      </p:sp>
+      <p:sp>
+        <p:nvSpPr>
+          <p:cNvPr id="87" name="Rectangle 86">
+            <a:extLst>
+              <a:ext uri="{FF2B5EF4-FFF2-40B4-BE49-F238E27FC236}">
+                <a16:creationId xmlns:a16="http://schemas.microsoft.com/office/drawing/2014/main" id="{EC70AE3C-EE73-4DC8-946D-04C37EC737BF}"/>
+              </a:ext>
+            </a:extLst>
+          </p:cNvPr>
+          <p:cNvSpPr/>
+          <p:nvPr/>
+        </p:nvSpPr>
+        <p:spPr>
+          <a:xfrm>
+            <a:off x="4833785" y="1981834"/>
+            <a:ext cx="5077393" cy="1851692"/>
+          </a:xfrm>
+          <a:prstGeom prst="rect">
+            <a:avLst/>
+          </a:prstGeom>
+          <a:ln>
+            <a:solidFill>
+              <a:schemeClr val="tx1"/>
+            </a:solidFill>
+          </a:ln>
+        </p:spPr>
+        <p:style>
+          <a:lnRef idx="2">
+            <a:schemeClr val="accent6"/>
+          </a:lnRef>
+          <a:fillRef idx="1">
+            <a:schemeClr val="lt1"/>
+          </a:fillRef>
+          <a:effectRef idx="0">
+            <a:schemeClr val="accent6"/>
+          </a:effectRef>
+          <a:fontRef idx="minor">
+            <a:schemeClr val="dk1"/>
+          </a:fontRef>
+        </p:style>
+        <p:txBody>
+          <a:bodyPr rtlCol="0" anchor="ctr"/>
+          <a:lstStyle/>
+          <a:p>
+            <a:pPr algn="ctr"/>
+            <a:endParaRPr lang="fr-FR"/>
+          </a:p>
+        </p:txBody>
+      </p:sp>
+      <p:grpSp>
+        <p:nvGrpSpPr>
+          <p:cNvPr id="34" name="Groupe 33">
+            <a:extLst>
+              <a:ext uri="{FF2B5EF4-FFF2-40B4-BE49-F238E27FC236}">
+                <a16:creationId xmlns:a16="http://schemas.microsoft.com/office/drawing/2014/main" id="{922D5D74-2F78-4EAB-8F96-BBAA2ACE6868}"/>
+              </a:ext>
+            </a:extLst>
+          </p:cNvPr>
+          <p:cNvGrpSpPr/>
+          <p:nvPr/>
+        </p:nvGrpSpPr>
+        <p:grpSpPr>
+          <a:xfrm>
+            <a:off x="6364364" y="4045907"/>
+            <a:ext cx="3969011" cy="1045888"/>
+            <a:chOff x="3366061" y="3575818"/>
+            <a:chExt cx="3969011" cy="1045888"/>
+          </a:xfrm>
+        </p:grpSpPr>
+        <p:grpSp>
+          <p:nvGrpSpPr>
+            <p:cNvPr id="33" name="Groupe 32">
+              <a:extLst>
+                <a:ext uri="{FF2B5EF4-FFF2-40B4-BE49-F238E27FC236}">
+                  <a16:creationId xmlns:a16="http://schemas.microsoft.com/office/drawing/2014/main" id="{11E1EC3E-5146-4029-AB0E-4260DFC969DB}"/>
+                </a:ext>
+              </a:extLst>
+            </p:cNvPr>
+            <p:cNvGrpSpPr/>
+            <p:nvPr/>
+          </p:nvGrpSpPr>
+          <p:grpSpPr>
+            <a:xfrm>
+              <a:off x="3366061" y="3575818"/>
+              <a:ext cx="3548268" cy="1045888"/>
+              <a:chOff x="3257553" y="3584390"/>
+              <a:chExt cx="3548268" cy="1045888"/>
+            </a:xfrm>
+          </p:grpSpPr>
+          <p:sp>
+            <p:nvSpPr>
+              <p:cNvPr id="31" name="Rectangle 30">
+                <a:extLst>
+                  <a:ext uri="{FF2B5EF4-FFF2-40B4-BE49-F238E27FC236}">
+                    <a16:creationId xmlns:a16="http://schemas.microsoft.com/office/drawing/2014/main" id="{7733C78E-E4CF-4324-9CB2-F73241A0B486}"/>
+                  </a:ext>
+                </a:extLst>
+              </p:cNvPr>
+              <p:cNvSpPr/>
+              <p:nvPr/>
+            </p:nvSpPr>
+            <p:spPr>
+              <a:xfrm>
+                <a:off x="3257553" y="3584390"/>
+                <a:ext cx="3548268" cy="1045888"/>
+              </a:xfrm>
+              <a:prstGeom prst="rect">
+                <a:avLst/>
+              </a:prstGeom>
+            </p:spPr>
+            <p:style>
+              <a:lnRef idx="2">
+                <a:schemeClr val="accent1">
+                  <a:shade val="50000"/>
+                </a:schemeClr>
+              </a:lnRef>
+              <a:fillRef idx="1">
+                <a:schemeClr val="accent1"/>
+              </a:fillRef>
+              <a:effectRef idx="0">
+                <a:schemeClr val="accent1"/>
+              </a:effectRef>
+              <a:fontRef idx="minor">
+                <a:schemeClr val="lt1"/>
+              </a:fontRef>
+            </p:style>
+            <p:txBody>
+              <a:bodyPr rtlCol="0" anchor="ctr"/>
+              <a:lstStyle/>
+              <a:p>
+                <a:pPr algn="ctr"/>
+                <a:endParaRPr lang="fr-FR" dirty="0"/>
+              </a:p>
+            </p:txBody>
+          </p:sp>
+          <p:sp>
+            <p:nvSpPr>
+              <p:cNvPr id="28" name="ZoneTexte 27">
+                <a:extLst>
+                  <a:ext uri="{FF2B5EF4-FFF2-40B4-BE49-F238E27FC236}">
+                    <a16:creationId xmlns:a16="http://schemas.microsoft.com/office/drawing/2014/main" id="{7E60D469-C2E0-461A-A8C9-400D49518DE3}"/>
+                  </a:ext>
+                </a:extLst>
+              </p:cNvPr>
+              <p:cNvSpPr txBox="1"/>
+              <p:nvPr/>
+            </p:nvSpPr>
+            <p:spPr>
+              <a:xfrm>
+                <a:off x="3257553" y="3864171"/>
+                <a:ext cx="2643804" cy="553998"/>
+              </a:xfrm>
+              <a:prstGeom prst="rect">
+                <a:avLst/>
+              </a:prstGeom>
+              <a:noFill/>
+            </p:spPr>
+            <p:txBody>
+              <a:bodyPr wrap="square" rtlCol="0">
+                <a:spAutoFit/>
+              </a:bodyPr>
+              <a:lstStyle/>
+              <a:p>
+                <a:r>
+                  <a:rPr lang="fr-FR" sz="1000" dirty="0"/>
+                  <a:t>Servlet </a:t>
+                </a:r>
+                <a:r>
+                  <a:rPr lang="fr-FR" sz="1000" dirty="0" err="1"/>
+                  <a:t>calculSurface</a:t>
+                </a:r>
+                <a:endParaRPr lang="fr-FR" sz="1000" dirty="0"/>
+              </a:p>
+              <a:p>
+                <a:r>
+                  <a:rPr lang="fr-FR" sz="1000" dirty="0"/>
+                  <a:t>(forme, coté, longueur,</a:t>
+                </a:r>
+              </a:p>
+              <a:p>
+                <a:r>
+                  <a:rPr lang="fr-FR" sz="1000" dirty="0"/>
+                  <a:t>Largeur, …)</a:t>
+                </a:r>
+              </a:p>
+            </p:txBody>
+          </p:sp>
+          <p:sp>
+            <p:nvSpPr>
+              <p:cNvPr id="30" name="Accolade ouvrante 29">
+                <a:extLst>
+                  <a:ext uri="{FF2B5EF4-FFF2-40B4-BE49-F238E27FC236}">
+                    <a16:creationId xmlns:a16="http://schemas.microsoft.com/office/drawing/2014/main" id="{2BFD7AE4-0D33-4919-B46E-E39DFA9D3B56}"/>
+                  </a:ext>
+                </a:extLst>
+              </p:cNvPr>
+              <p:cNvSpPr/>
+              <p:nvPr/>
+            </p:nvSpPr>
+            <p:spPr>
+              <a:xfrm>
+                <a:off x="4693758" y="3843950"/>
+                <a:ext cx="298174" cy="526769"/>
+              </a:xfrm>
+              <a:prstGeom prst="leftBrace">
+                <a:avLst/>
+              </a:prstGeom>
+            </p:spPr>
+            <p:style>
+              <a:lnRef idx="1">
+                <a:schemeClr val="dk1"/>
+              </a:lnRef>
+              <a:fillRef idx="0">
+                <a:schemeClr val="dk1"/>
+              </a:fillRef>
+              <a:effectRef idx="0">
+                <a:schemeClr val="dk1"/>
+              </a:effectRef>
+              <a:fontRef idx="minor">
+                <a:schemeClr val="tx1"/>
+              </a:fontRef>
+            </p:style>
+            <p:txBody>
+              <a:bodyPr rtlCol="0" anchor="ctr"/>
+              <a:lstStyle/>
+              <a:p>
+                <a:pPr algn="ctr"/>
+                <a:endParaRPr lang="fr-FR"/>
+              </a:p>
+            </p:txBody>
+          </p:sp>
+        </p:grpSp>
+        <p:sp>
+          <p:nvSpPr>
+            <p:cNvPr id="29" name="ZoneTexte 28">
+              <a:extLst>
+                <a:ext uri="{FF2B5EF4-FFF2-40B4-BE49-F238E27FC236}">
+                  <a16:creationId xmlns:a16="http://schemas.microsoft.com/office/drawing/2014/main" id="{CAF58005-61B1-4632-82C5-AB7413D66844}"/>
+                </a:ext>
+              </a:extLst>
+            </p:cNvPr>
+            <p:cNvSpPr txBox="1"/>
+            <p:nvPr/>
+          </p:nvSpPr>
+          <p:spPr>
+            <a:xfrm>
+              <a:off x="5140195" y="3744819"/>
+              <a:ext cx="2194877" cy="707886"/>
+            </a:xfrm>
+            <a:prstGeom prst="rect">
+              <a:avLst/>
+            </a:prstGeom>
+            <a:noFill/>
+          </p:spPr>
+          <p:txBody>
+            <a:bodyPr wrap="square" rtlCol="0">
+              <a:spAutoFit/>
+            </a:bodyPr>
+            <a:lstStyle/>
+            <a:p>
+              <a:pPr marL="285750" indent="-285750">
+                <a:buFont typeface="Arial" panose="020B0604020202020204" pitchFamily="34" charset="0"/>
+                <a:buChar char="•"/>
+              </a:pPr>
+              <a:r>
+                <a:rPr lang="fr-FR" sz="1000" dirty="0"/>
+                <a:t>Carré</a:t>
+              </a:r>
+            </a:p>
+            <a:p>
+              <a:pPr marL="285750" indent="-285750">
+                <a:buFont typeface="Arial" panose="020B0604020202020204" pitchFamily="34" charset="0"/>
+                <a:buChar char="•"/>
+              </a:pPr>
+              <a:r>
+                <a:rPr lang="fr-FR" sz="1000" dirty="0"/>
+                <a:t>Rectangle</a:t>
+              </a:r>
+            </a:p>
+            <a:p>
+              <a:pPr marL="285750" indent="-285750">
+                <a:buFont typeface="Arial" panose="020B0604020202020204" pitchFamily="34" charset="0"/>
+                <a:buChar char="•"/>
+              </a:pPr>
+              <a:r>
+                <a:rPr lang="fr-FR" sz="1000" dirty="0"/>
+                <a:t>Cercle</a:t>
+              </a:r>
+            </a:p>
+            <a:p>
+              <a:pPr marL="285750" indent="-285750">
+                <a:buFont typeface="Arial" panose="020B0604020202020204" pitchFamily="34" charset="0"/>
+                <a:buChar char="•"/>
+              </a:pPr>
+              <a:r>
+                <a:rPr lang="fr-FR" sz="1000" dirty="0"/>
+                <a:t>Triangle rectangle</a:t>
+              </a:r>
+            </a:p>
+          </p:txBody>
+        </p:sp>
+      </p:grpSp>
+      <p:grpSp>
+        <p:nvGrpSpPr>
+          <p:cNvPr id="35" name="Groupe 34">
+            <a:extLst>
+              <a:ext uri="{FF2B5EF4-FFF2-40B4-BE49-F238E27FC236}">
+                <a16:creationId xmlns:a16="http://schemas.microsoft.com/office/drawing/2014/main" id="{623D8945-9B23-434C-AD3A-B789732220A8}"/>
+              </a:ext>
+            </a:extLst>
+          </p:cNvPr>
+          <p:cNvGrpSpPr/>
+          <p:nvPr/>
+        </p:nvGrpSpPr>
+        <p:grpSpPr>
+          <a:xfrm>
+            <a:off x="2648797" y="4056016"/>
+            <a:ext cx="4002976" cy="1045888"/>
+            <a:chOff x="3332096" y="3575818"/>
+            <a:chExt cx="4002976" cy="1045888"/>
+          </a:xfrm>
+        </p:grpSpPr>
+        <p:grpSp>
+          <p:nvGrpSpPr>
+            <p:cNvPr id="36" name="Groupe 35">
+              <a:extLst>
+                <a:ext uri="{FF2B5EF4-FFF2-40B4-BE49-F238E27FC236}">
+                  <a16:creationId xmlns:a16="http://schemas.microsoft.com/office/drawing/2014/main" id="{6FDA6BF9-DDB1-4759-816B-BC7D0DFDFDB3}"/>
+                </a:ext>
+              </a:extLst>
+            </p:cNvPr>
+            <p:cNvGrpSpPr/>
+            <p:nvPr/>
+          </p:nvGrpSpPr>
+          <p:grpSpPr>
+            <a:xfrm>
+              <a:off x="3332096" y="3575818"/>
+              <a:ext cx="3582233" cy="1045888"/>
+              <a:chOff x="3223588" y="3584390"/>
+              <a:chExt cx="3582233" cy="1045888"/>
+            </a:xfrm>
+          </p:grpSpPr>
+          <p:sp>
+            <p:nvSpPr>
+              <p:cNvPr id="38" name="Rectangle 37">
+                <a:extLst>
+                  <a:ext uri="{FF2B5EF4-FFF2-40B4-BE49-F238E27FC236}">
+                    <a16:creationId xmlns:a16="http://schemas.microsoft.com/office/drawing/2014/main" id="{273FF868-2E5C-44F4-808B-261B5E97177A}"/>
+                  </a:ext>
+                </a:extLst>
+              </p:cNvPr>
+              <p:cNvSpPr/>
+              <p:nvPr/>
+            </p:nvSpPr>
+            <p:spPr>
+              <a:xfrm>
+                <a:off x="3257553" y="3584390"/>
+                <a:ext cx="3548268" cy="1045888"/>
+              </a:xfrm>
+              <a:prstGeom prst="rect">
+                <a:avLst/>
+              </a:prstGeom>
+            </p:spPr>
+            <p:style>
+              <a:lnRef idx="2">
+                <a:schemeClr val="accent1">
+                  <a:shade val="50000"/>
+                </a:schemeClr>
+              </a:lnRef>
+              <a:fillRef idx="1">
+                <a:schemeClr val="accent1"/>
+              </a:fillRef>
+              <a:effectRef idx="0">
+                <a:schemeClr val="accent1"/>
+              </a:effectRef>
+              <a:fontRef idx="minor">
+                <a:schemeClr val="lt1"/>
+              </a:fontRef>
+            </p:style>
+            <p:txBody>
+              <a:bodyPr rtlCol="0" anchor="ctr"/>
+              <a:lstStyle/>
+              <a:p>
+                <a:pPr algn="ctr"/>
+                <a:endParaRPr lang="fr-FR"/>
+              </a:p>
+            </p:txBody>
+          </p:sp>
+          <p:sp>
+            <p:nvSpPr>
+              <p:cNvPr id="39" name="ZoneTexte 38">
+                <a:extLst>
+                  <a:ext uri="{FF2B5EF4-FFF2-40B4-BE49-F238E27FC236}">
+                    <a16:creationId xmlns:a16="http://schemas.microsoft.com/office/drawing/2014/main" id="{8A968DFE-40F9-4D5E-8C11-BC3B60401CEB}"/>
+                  </a:ext>
+                </a:extLst>
+              </p:cNvPr>
+              <p:cNvSpPr txBox="1"/>
+              <p:nvPr/>
+            </p:nvSpPr>
+            <p:spPr>
+              <a:xfrm>
+                <a:off x="3223588" y="3883171"/>
+                <a:ext cx="2643804" cy="707886"/>
+              </a:xfrm>
+              <a:prstGeom prst="rect">
+                <a:avLst/>
+              </a:prstGeom>
+              <a:noFill/>
+            </p:spPr>
+            <p:txBody>
+              <a:bodyPr wrap="square" rtlCol="0">
+                <a:spAutoFit/>
+              </a:bodyPr>
+              <a:lstStyle/>
+              <a:p>
+                <a:r>
+                  <a:rPr lang="fr-FR" sz="1000" dirty="0"/>
+                  <a:t>Servlet </a:t>
+                </a:r>
+                <a:r>
+                  <a:rPr lang="fr-FR" sz="1000" dirty="0" err="1"/>
+                  <a:t>calculPerimetre</a:t>
+                </a:r>
+                <a:endParaRPr lang="fr-FR" sz="1000" dirty="0"/>
+              </a:p>
+              <a:p>
+                <a:r>
+                  <a:rPr lang="fr-FR" sz="1000" dirty="0"/>
+                  <a:t>(forme, coté, longueur,</a:t>
+                </a:r>
+              </a:p>
+              <a:p>
+                <a:r>
+                  <a:rPr lang="fr-FR" sz="1000" dirty="0"/>
+                  <a:t>Largeur, …)</a:t>
+                </a:r>
+              </a:p>
+              <a:p>
+                <a:endParaRPr lang="fr-FR" sz="1000" dirty="0"/>
+              </a:p>
+            </p:txBody>
+          </p:sp>
+          <p:sp>
+            <p:nvSpPr>
+              <p:cNvPr id="40" name="Accolade ouvrante 39">
+                <a:extLst>
+                  <a:ext uri="{FF2B5EF4-FFF2-40B4-BE49-F238E27FC236}">
+                    <a16:creationId xmlns:a16="http://schemas.microsoft.com/office/drawing/2014/main" id="{9986D599-1AF4-4BC4-8ACE-414D1C9181C8}"/>
+                  </a:ext>
+                </a:extLst>
+              </p:cNvPr>
+              <p:cNvSpPr/>
+              <p:nvPr/>
+            </p:nvSpPr>
+            <p:spPr>
+              <a:xfrm>
+                <a:off x="4693758" y="3843950"/>
+                <a:ext cx="298174" cy="526769"/>
+              </a:xfrm>
+              <a:prstGeom prst="leftBrace">
+                <a:avLst/>
+              </a:prstGeom>
+            </p:spPr>
+            <p:style>
+              <a:lnRef idx="1">
+                <a:schemeClr val="dk1"/>
+              </a:lnRef>
+              <a:fillRef idx="0">
+                <a:schemeClr val="dk1"/>
+              </a:fillRef>
+              <a:effectRef idx="0">
+                <a:schemeClr val="dk1"/>
+              </a:effectRef>
+              <a:fontRef idx="minor">
+                <a:schemeClr val="tx1"/>
+              </a:fontRef>
+            </p:style>
+            <p:txBody>
+              <a:bodyPr rtlCol="0" anchor="ctr"/>
+              <a:lstStyle/>
+              <a:p>
+                <a:pPr algn="ctr"/>
+                <a:endParaRPr lang="fr-FR"/>
+              </a:p>
+            </p:txBody>
+          </p:sp>
+        </p:grpSp>
+        <p:sp>
+          <p:nvSpPr>
+            <p:cNvPr id="37" name="ZoneTexte 36">
+              <a:extLst>
+                <a:ext uri="{FF2B5EF4-FFF2-40B4-BE49-F238E27FC236}">
+                  <a16:creationId xmlns:a16="http://schemas.microsoft.com/office/drawing/2014/main" id="{CB1B57A6-8366-4617-AA61-4CE3D06DA775}"/>
+                </a:ext>
+              </a:extLst>
+            </p:cNvPr>
+            <p:cNvSpPr txBox="1"/>
+            <p:nvPr/>
+          </p:nvSpPr>
+          <p:spPr>
+            <a:xfrm>
+              <a:off x="5140195" y="3744819"/>
+              <a:ext cx="2194877" cy="707886"/>
+            </a:xfrm>
+            <a:prstGeom prst="rect">
+              <a:avLst/>
+            </a:prstGeom>
+            <a:noFill/>
+          </p:spPr>
+          <p:txBody>
+            <a:bodyPr wrap="square" rtlCol="0">
+              <a:spAutoFit/>
+            </a:bodyPr>
+            <a:lstStyle/>
+            <a:p>
+              <a:pPr marL="285750" indent="-285750">
+                <a:buFont typeface="Arial" panose="020B0604020202020204" pitchFamily="34" charset="0"/>
+                <a:buChar char="•"/>
+              </a:pPr>
+              <a:r>
+                <a:rPr lang="fr-FR" sz="1000" dirty="0"/>
+                <a:t>Carré</a:t>
+              </a:r>
+            </a:p>
+            <a:p>
+              <a:pPr marL="285750" indent="-285750">
+                <a:buFont typeface="Arial" panose="020B0604020202020204" pitchFamily="34" charset="0"/>
+                <a:buChar char="•"/>
+              </a:pPr>
+              <a:r>
+                <a:rPr lang="fr-FR" sz="1000" dirty="0"/>
+                <a:t>Rectangle</a:t>
+              </a:r>
+            </a:p>
+            <a:p>
+              <a:pPr marL="285750" indent="-285750">
+                <a:buFont typeface="Arial" panose="020B0604020202020204" pitchFamily="34" charset="0"/>
+                <a:buChar char="•"/>
+              </a:pPr>
+              <a:r>
+                <a:rPr lang="fr-FR" sz="1000" dirty="0"/>
+                <a:t>Cercle</a:t>
+              </a:r>
+            </a:p>
+            <a:p>
+              <a:pPr marL="285750" indent="-285750">
+                <a:buFont typeface="Arial" panose="020B0604020202020204" pitchFamily="34" charset="0"/>
+                <a:buChar char="•"/>
+              </a:pPr>
+              <a:r>
+                <a:rPr lang="fr-FR" sz="1000" dirty="0"/>
+                <a:t>Triangle rectangle</a:t>
+              </a:r>
+            </a:p>
+          </p:txBody>
+        </p:sp>
+      </p:grpSp>
+      <p:sp>
+        <p:nvSpPr>
+          <p:cNvPr id="4" name="ZoneTexte 3">
+            <a:extLst>
+              <a:ext uri="{FF2B5EF4-FFF2-40B4-BE49-F238E27FC236}">
+                <a16:creationId xmlns:a16="http://schemas.microsoft.com/office/drawing/2014/main" id="{EEC18D1B-A342-47A4-961C-BA831F9D1E5A}"/>
+              </a:ext>
+            </a:extLst>
+          </p:cNvPr>
+          <p:cNvSpPr txBox="1"/>
+          <p:nvPr/>
+        </p:nvSpPr>
+        <p:spPr>
+          <a:xfrm>
+            <a:off x="578129" y="491758"/>
+            <a:ext cx="1101585" cy="400110"/>
+          </a:xfrm>
+          <a:prstGeom prst="rect">
+            <a:avLst/>
+          </a:prstGeom>
+          <a:solidFill>
+            <a:schemeClr val="accent1"/>
+          </a:solidFill>
+          <a:ln>
+            <a:solidFill>
+              <a:schemeClr val="tx1"/>
+            </a:solidFill>
+          </a:ln>
+        </p:spPr>
+        <p:txBody>
+          <a:bodyPr wrap="square" rtlCol="0">
+            <a:spAutoFit/>
+          </a:bodyPr>
+          <a:lstStyle/>
+          <a:p>
+            <a:r>
+              <a:rPr lang="fr-FR" sz="1000" dirty="0" err="1"/>
+              <a:t>askOperation</a:t>
+            </a:r>
+            <a:r>
+              <a:rPr lang="fr-FR" sz="1000" dirty="0"/>
+              <a:t>()</a:t>
+            </a:r>
+          </a:p>
+          <a:p>
+            <a:endParaRPr lang="fr-FR" sz="1000" dirty="0"/>
+          </a:p>
+        </p:txBody>
+      </p:sp>
+      <p:sp>
+        <p:nvSpPr>
+          <p:cNvPr id="5" name="ZoneTexte 4">
+            <a:extLst>
+              <a:ext uri="{FF2B5EF4-FFF2-40B4-BE49-F238E27FC236}">
+                <a16:creationId xmlns:a16="http://schemas.microsoft.com/office/drawing/2014/main" id="{753B6BFB-4BC6-44DA-998F-958D5393AAFA}"/>
+              </a:ext>
+            </a:extLst>
+          </p:cNvPr>
+          <p:cNvSpPr txBox="1"/>
+          <p:nvPr/>
+        </p:nvSpPr>
+        <p:spPr>
+          <a:xfrm>
+            <a:off x="4842016" y="476514"/>
+            <a:ext cx="2671968" cy="400110"/>
+          </a:xfrm>
+          <a:prstGeom prst="rect">
+            <a:avLst/>
+          </a:prstGeom>
+          <a:solidFill>
+            <a:srgbClr val="0070C0"/>
+          </a:solidFill>
+          <a:ln>
+            <a:solidFill>
+              <a:schemeClr val="tx1"/>
+            </a:solidFill>
+          </a:ln>
+        </p:spPr>
+        <p:txBody>
+          <a:bodyPr wrap="square" rtlCol="0">
+            <a:spAutoFit/>
+          </a:bodyPr>
+          <a:lstStyle/>
+          <a:p>
+            <a:r>
+              <a:rPr lang="fr-FR" sz="1000" dirty="0" err="1"/>
+              <a:t>askOperationForm</a:t>
+            </a:r>
+            <a:r>
+              <a:rPr lang="fr-FR" sz="1000" dirty="0"/>
+              <a:t> (surface, </a:t>
+            </a:r>
+            <a:r>
+              <a:rPr lang="fr-FR" sz="1000" dirty="0" err="1"/>
+              <a:t>périmetre</a:t>
+            </a:r>
+            <a:r>
+              <a:rPr lang="fr-FR" sz="1000" dirty="0"/>
+              <a:t>, …)</a:t>
+            </a:r>
+          </a:p>
+          <a:p>
+            <a:endParaRPr lang="fr-FR" sz="1000" dirty="0"/>
+          </a:p>
+        </p:txBody>
+      </p:sp>
+      <p:cxnSp>
+        <p:nvCxnSpPr>
+          <p:cNvPr id="7" name="Connecteur droit avec flèche 6">
+            <a:extLst>
+              <a:ext uri="{FF2B5EF4-FFF2-40B4-BE49-F238E27FC236}">
+                <a16:creationId xmlns:a16="http://schemas.microsoft.com/office/drawing/2014/main" id="{D72A90ED-D737-4352-AC54-6F3D5E1B1B0F}"/>
+              </a:ext>
+            </a:extLst>
+          </p:cNvPr>
+          <p:cNvCxnSpPr/>
+          <p:nvPr/>
+        </p:nvCxnSpPr>
+        <p:spPr>
+          <a:xfrm>
+            <a:off x="2435088" y="555233"/>
+            <a:ext cx="2286000" cy="0"/>
+          </a:xfrm>
+          <a:prstGeom prst="straightConnector1">
+            <a:avLst/>
+          </a:prstGeom>
+          <a:ln>
+            <a:solidFill>
+              <a:schemeClr val="accent5"/>
+            </a:solidFill>
+            <a:tailEnd type="triangle"/>
+          </a:ln>
+        </p:spPr>
+        <p:style>
+          <a:lnRef idx="1">
+            <a:schemeClr val="accent1"/>
+          </a:lnRef>
+          <a:fillRef idx="0">
+            <a:schemeClr val="accent1"/>
+          </a:fillRef>
+          <a:effectRef idx="0">
+            <a:schemeClr val="accent1"/>
+          </a:effectRef>
+          <a:fontRef idx="minor">
+            <a:schemeClr val="tx1"/>
+          </a:fontRef>
+        </p:style>
+      </p:cxnSp>
+      <p:sp>
+        <p:nvSpPr>
+          <p:cNvPr id="16" name="ZoneTexte 15">
+            <a:extLst>
+              <a:ext uri="{FF2B5EF4-FFF2-40B4-BE49-F238E27FC236}">
+                <a16:creationId xmlns:a16="http://schemas.microsoft.com/office/drawing/2014/main" id="{B34CE213-06D9-4D63-B742-F13A80D5FE45}"/>
+              </a:ext>
+            </a:extLst>
+          </p:cNvPr>
+          <p:cNvSpPr txBox="1"/>
+          <p:nvPr/>
+        </p:nvSpPr>
+        <p:spPr>
+          <a:xfrm>
+            <a:off x="578129" y="1465287"/>
+            <a:ext cx="1669774" cy="400110"/>
+          </a:xfrm>
+          <a:prstGeom prst="rect">
+            <a:avLst/>
+          </a:prstGeom>
+          <a:solidFill>
+            <a:schemeClr val="accent1"/>
+          </a:solidFill>
+          <a:ln>
+            <a:solidFill>
+              <a:schemeClr val="tx1"/>
+            </a:solidFill>
+          </a:ln>
+        </p:spPr>
+        <p:txBody>
+          <a:bodyPr wrap="square" rtlCol="0">
+            <a:spAutoFit/>
+          </a:bodyPr>
+          <a:lstStyle/>
+          <a:p>
+            <a:r>
+              <a:rPr lang="fr-FR" sz="1000" dirty="0"/>
+              <a:t>Si quadrilatère : </a:t>
+            </a:r>
+            <a:r>
+              <a:rPr lang="fr-FR" sz="1000" dirty="0" err="1"/>
+              <a:t>asqPaint</a:t>
+            </a:r>
+            <a:endParaRPr lang="fr-FR" sz="1000" dirty="0"/>
+          </a:p>
+          <a:p>
+            <a:endParaRPr lang="fr-FR" sz="1000" dirty="0"/>
+          </a:p>
+        </p:txBody>
+      </p:sp>
+      <p:cxnSp>
+        <p:nvCxnSpPr>
+          <p:cNvPr id="15" name="Connecteur droit avec flèche 14">
+            <a:extLst>
+              <a:ext uri="{FF2B5EF4-FFF2-40B4-BE49-F238E27FC236}">
+                <a16:creationId xmlns:a16="http://schemas.microsoft.com/office/drawing/2014/main" id="{E685E6F1-B9AC-49EA-9043-9845A7327B09}"/>
+              </a:ext>
+            </a:extLst>
+          </p:cNvPr>
+          <p:cNvCxnSpPr>
+            <a:cxnSpLocks/>
+          </p:cNvCxnSpPr>
+          <p:nvPr/>
+        </p:nvCxnSpPr>
+        <p:spPr>
+          <a:xfrm flipH="1">
+            <a:off x="2435088" y="737979"/>
+            <a:ext cx="2286000" cy="0"/>
+          </a:xfrm>
+          <a:prstGeom prst="straightConnector1">
+            <a:avLst/>
+          </a:prstGeom>
+          <a:ln>
+            <a:tailEnd type="triangle"/>
+          </a:ln>
+        </p:spPr>
+        <p:style>
+          <a:lnRef idx="1">
+            <a:schemeClr val="accent1"/>
+          </a:lnRef>
+          <a:fillRef idx="0">
+            <a:schemeClr val="accent1"/>
+          </a:fillRef>
+          <a:effectRef idx="0">
+            <a:schemeClr val="accent1"/>
+          </a:effectRef>
+          <a:fontRef idx="minor">
+            <a:schemeClr val="tx1"/>
+          </a:fontRef>
+        </p:style>
+      </p:cxnSp>
+      <p:sp>
+        <p:nvSpPr>
+          <p:cNvPr id="17" name="ZoneTexte 16">
+            <a:extLst>
+              <a:ext uri="{FF2B5EF4-FFF2-40B4-BE49-F238E27FC236}">
+                <a16:creationId xmlns:a16="http://schemas.microsoft.com/office/drawing/2014/main" id="{6F3E3CE4-2569-4822-86C5-AA7650667963}"/>
+              </a:ext>
+            </a:extLst>
+          </p:cNvPr>
+          <p:cNvSpPr txBox="1"/>
+          <p:nvPr/>
+        </p:nvSpPr>
+        <p:spPr>
+          <a:xfrm>
+            <a:off x="3144915" y="718366"/>
+            <a:ext cx="1282148" cy="246221"/>
+          </a:xfrm>
+          <a:prstGeom prst="rect">
+            <a:avLst/>
+          </a:prstGeom>
+          <a:noFill/>
+        </p:spPr>
+        <p:txBody>
+          <a:bodyPr wrap="square" rtlCol="0">
+            <a:spAutoFit/>
+          </a:bodyPr>
+          <a:lstStyle/>
+          <a:p>
+            <a:r>
+              <a:rPr lang="fr-FR" sz="1000" dirty="0" err="1">
+                <a:solidFill>
+                  <a:schemeClr val="accent2"/>
+                </a:solidFill>
+              </a:rPr>
+              <a:t>operation</a:t>
+            </a:r>
+            <a:endParaRPr lang="fr-FR" sz="1000" dirty="0">
+              <a:solidFill>
+                <a:schemeClr val="accent2"/>
+              </a:solidFill>
+            </a:endParaRPr>
+          </a:p>
+        </p:txBody>
+      </p:sp>
+      <p:sp>
+        <p:nvSpPr>
+          <p:cNvPr id="18" name="ZoneTexte 17">
+            <a:extLst>
+              <a:ext uri="{FF2B5EF4-FFF2-40B4-BE49-F238E27FC236}">
+                <a16:creationId xmlns:a16="http://schemas.microsoft.com/office/drawing/2014/main" id="{0499D3ED-5A40-4234-881D-C69E16E2208A}"/>
+              </a:ext>
+            </a:extLst>
+          </p:cNvPr>
+          <p:cNvSpPr txBox="1"/>
+          <p:nvPr/>
+        </p:nvSpPr>
+        <p:spPr>
+          <a:xfrm>
+            <a:off x="4842016" y="1410790"/>
+            <a:ext cx="1757566" cy="400110"/>
+          </a:xfrm>
+          <a:prstGeom prst="rect">
+            <a:avLst/>
+          </a:prstGeom>
+          <a:solidFill>
+            <a:srgbClr val="0070C0"/>
+          </a:solidFill>
+          <a:ln>
+            <a:solidFill>
+              <a:schemeClr val="tx1"/>
+            </a:solidFill>
+          </a:ln>
+        </p:spPr>
+        <p:txBody>
+          <a:bodyPr wrap="square" rtlCol="0">
+            <a:spAutoFit/>
+          </a:bodyPr>
+          <a:lstStyle/>
+          <a:p>
+            <a:r>
+              <a:rPr lang="fr-FR" sz="1000" dirty="0" err="1"/>
+              <a:t>askColorForm</a:t>
+            </a:r>
+            <a:r>
+              <a:rPr lang="fr-FR" sz="1000" dirty="0"/>
+              <a:t> (O/N, </a:t>
+            </a:r>
+            <a:r>
+              <a:rPr lang="fr-FR" sz="1000" dirty="0" err="1"/>
+              <a:t>color</a:t>
+            </a:r>
+            <a:r>
+              <a:rPr lang="fr-FR" sz="1000" dirty="0"/>
+              <a:t>)</a:t>
+            </a:r>
+          </a:p>
+          <a:p>
+            <a:endParaRPr lang="fr-FR" sz="1000" dirty="0"/>
+          </a:p>
+        </p:txBody>
+      </p:sp>
+      <p:cxnSp>
+        <p:nvCxnSpPr>
+          <p:cNvPr id="26" name="Connecteur droit avec flèche 25">
+            <a:extLst>
+              <a:ext uri="{FF2B5EF4-FFF2-40B4-BE49-F238E27FC236}">
+                <a16:creationId xmlns:a16="http://schemas.microsoft.com/office/drawing/2014/main" id="{82A30D6E-39DA-4689-AEDD-105A4375D603}"/>
+              </a:ext>
+            </a:extLst>
+          </p:cNvPr>
+          <p:cNvCxnSpPr>
+            <a:cxnSpLocks/>
+          </p:cNvCxnSpPr>
+          <p:nvPr/>
+        </p:nvCxnSpPr>
+        <p:spPr>
+          <a:xfrm flipH="1">
+            <a:off x="2435088" y="1731387"/>
+            <a:ext cx="2315817" cy="0"/>
+          </a:xfrm>
+          <a:prstGeom prst="straightConnector1">
+            <a:avLst/>
+          </a:prstGeom>
+          <a:ln>
+            <a:tailEnd type="triangle"/>
+          </a:ln>
+        </p:spPr>
+        <p:style>
+          <a:lnRef idx="1">
+            <a:schemeClr val="accent1"/>
+          </a:lnRef>
+          <a:fillRef idx="0">
+            <a:schemeClr val="accent1"/>
+          </a:fillRef>
+          <a:effectRef idx="0">
+            <a:schemeClr val="accent1"/>
+          </a:effectRef>
+          <a:fontRef idx="minor">
+            <a:schemeClr val="tx1"/>
+          </a:fontRef>
+        </p:style>
+      </p:cxnSp>
+      <p:sp>
+        <p:nvSpPr>
+          <p:cNvPr id="24" name="ZoneTexte 23">
+            <a:extLst>
+              <a:ext uri="{FF2B5EF4-FFF2-40B4-BE49-F238E27FC236}">
+                <a16:creationId xmlns:a16="http://schemas.microsoft.com/office/drawing/2014/main" id="{4B0D56B0-885E-4BBF-B50C-BFAC9342FC68}"/>
+              </a:ext>
+            </a:extLst>
+          </p:cNvPr>
+          <p:cNvSpPr txBox="1"/>
+          <p:nvPr/>
+        </p:nvSpPr>
+        <p:spPr>
+          <a:xfrm>
+            <a:off x="3056276" y="1813544"/>
+            <a:ext cx="1282148" cy="246221"/>
+          </a:xfrm>
+          <a:prstGeom prst="rect">
+            <a:avLst/>
+          </a:prstGeom>
+          <a:noFill/>
+        </p:spPr>
+        <p:txBody>
+          <a:bodyPr wrap="square" rtlCol="0">
+            <a:spAutoFit/>
+          </a:bodyPr>
+          <a:lstStyle/>
+          <a:p>
+            <a:r>
+              <a:rPr lang="fr-FR" sz="1000" dirty="0">
+                <a:solidFill>
+                  <a:schemeClr val="accent2"/>
+                </a:solidFill>
+              </a:rPr>
+              <a:t>O ou N, </a:t>
+            </a:r>
+            <a:r>
+              <a:rPr lang="fr-FR" sz="1000" dirty="0" err="1">
+                <a:solidFill>
+                  <a:schemeClr val="accent2"/>
+                </a:solidFill>
+              </a:rPr>
+              <a:t>color</a:t>
+            </a:r>
+            <a:endParaRPr lang="fr-FR" sz="1000" dirty="0">
+              <a:solidFill>
+                <a:schemeClr val="accent2"/>
+              </a:solidFill>
+            </a:endParaRPr>
+          </a:p>
+        </p:txBody>
+      </p:sp>
+      <p:cxnSp>
+        <p:nvCxnSpPr>
+          <p:cNvPr id="27" name="Connecteur droit avec flèche 26">
+            <a:extLst>
+              <a:ext uri="{FF2B5EF4-FFF2-40B4-BE49-F238E27FC236}">
+                <a16:creationId xmlns:a16="http://schemas.microsoft.com/office/drawing/2014/main" id="{D9B38E91-55D6-4DF8-A537-18B6BED8953C}"/>
+              </a:ext>
+            </a:extLst>
+          </p:cNvPr>
+          <p:cNvCxnSpPr/>
+          <p:nvPr/>
+        </p:nvCxnSpPr>
+        <p:spPr>
+          <a:xfrm>
+            <a:off x="2464905" y="1522378"/>
+            <a:ext cx="2286000" cy="0"/>
+          </a:xfrm>
+          <a:prstGeom prst="straightConnector1">
+            <a:avLst/>
+          </a:prstGeom>
+          <a:ln>
+            <a:solidFill>
+              <a:schemeClr val="accent5"/>
+            </a:solidFill>
+            <a:tailEnd type="triangle"/>
+          </a:ln>
+        </p:spPr>
+        <p:style>
+          <a:lnRef idx="1">
+            <a:schemeClr val="accent1"/>
+          </a:lnRef>
+          <a:fillRef idx="0">
+            <a:schemeClr val="accent1"/>
+          </a:fillRef>
+          <a:effectRef idx="0">
+            <a:schemeClr val="accent1"/>
+          </a:effectRef>
+          <a:fontRef idx="minor">
+            <a:schemeClr val="tx1"/>
+          </a:fontRef>
+        </p:style>
+      </p:cxnSp>
+      <p:sp>
+        <p:nvSpPr>
+          <p:cNvPr id="41" name="ZoneTexte 40">
+            <a:extLst>
+              <a:ext uri="{FF2B5EF4-FFF2-40B4-BE49-F238E27FC236}">
+                <a16:creationId xmlns:a16="http://schemas.microsoft.com/office/drawing/2014/main" id="{29613488-D14A-4705-A747-6F971E048408}"/>
+              </a:ext>
+            </a:extLst>
+          </p:cNvPr>
+          <p:cNvSpPr txBox="1"/>
+          <p:nvPr/>
+        </p:nvSpPr>
+        <p:spPr>
+          <a:xfrm>
+            <a:off x="4942617" y="2883665"/>
+            <a:ext cx="1101592" cy="400110"/>
+          </a:xfrm>
+          <a:prstGeom prst="rect">
+            <a:avLst/>
+          </a:prstGeom>
+          <a:solidFill>
+            <a:srgbClr val="0070C0"/>
+          </a:solidFill>
+          <a:ln>
+            <a:solidFill>
+              <a:schemeClr val="tx1"/>
+            </a:solidFill>
+          </a:ln>
+        </p:spPr>
+        <p:txBody>
+          <a:bodyPr wrap="square" rtlCol="0">
+            <a:spAutoFit/>
+          </a:bodyPr>
+          <a:lstStyle/>
+          <a:p>
+            <a:r>
+              <a:rPr lang="fr-FR" sz="1000" dirty="0" err="1"/>
+              <a:t>askValeurForm</a:t>
+            </a:r>
+            <a:endParaRPr lang="fr-FR" sz="1000" dirty="0"/>
+          </a:p>
+          <a:p>
+            <a:r>
+              <a:rPr lang="fr-FR" sz="1000" dirty="0"/>
+              <a:t> </a:t>
+            </a:r>
+          </a:p>
+        </p:txBody>
+      </p:sp>
+      <p:sp>
+        <p:nvSpPr>
+          <p:cNvPr id="42" name="ZoneTexte 41">
+            <a:extLst>
+              <a:ext uri="{FF2B5EF4-FFF2-40B4-BE49-F238E27FC236}">
+                <a16:creationId xmlns:a16="http://schemas.microsoft.com/office/drawing/2014/main" id="{7BFFDEE5-F118-45BB-B0FB-47A6DE512A37}"/>
+              </a:ext>
+            </a:extLst>
+          </p:cNvPr>
+          <p:cNvSpPr txBox="1"/>
+          <p:nvPr/>
+        </p:nvSpPr>
+        <p:spPr>
+          <a:xfrm>
+            <a:off x="578129" y="2722863"/>
+            <a:ext cx="1599370" cy="707886"/>
+          </a:xfrm>
+          <a:prstGeom prst="rect">
+            <a:avLst/>
+          </a:prstGeom>
+          <a:solidFill>
+            <a:schemeClr val="accent1"/>
+          </a:solidFill>
+          <a:ln>
+            <a:solidFill>
+              <a:schemeClr val="tx1"/>
+            </a:solidFill>
+          </a:ln>
+        </p:spPr>
+        <p:txBody>
+          <a:bodyPr wrap="square" rtlCol="0">
+            <a:spAutoFit/>
+          </a:bodyPr>
+          <a:lstStyle/>
+          <a:p>
+            <a:r>
+              <a:rPr lang="fr-FR" sz="1000" dirty="0" err="1"/>
+              <a:t>askLongueur</a:t>
+            </a:r>
+            <a:r>
+              <a:rPr lang="fr-FR" sz="1000" dirty="0"/>
+              <a:t> (largeur)</a:t>
+            </a:r>
+          </a:p>
+          <a:p>
+            <a:r>
+              <a:rPr lang="fr-FR" sz="1000" dirty="0" err="1"/>
+              <a:t>askLongueur</a:t>
+            </a:r>
+            <a:r>
+              <a:rPr lang="fr-FR" sz="1000" dirty="0"/>
+              <a:t>(longueur)</a:t>
+            </a:r>
+          </a:p>
+          <a:p>
+            <a:r>
+              <a:rPr lang="fr-FR" sz="1000" dirty="0" err="1"/>
+              <a:t>askLongueur</a:t>
+            </a:r>
+            <a:r>
+              <a:rPr lang="fr-FR" sz="1000" dirty="0"/>
+              <a:t> (hauteur)</a:t>
+            </a:r>
+          </a:p>
+          <a:p>
+            <a:r>
+              <a:rPr lang="fr-FR" sz="1000" dirty="0" err="1"/>
+              <a:t>askLongueur</a:t>
+            </a:r>
+            <a:r>
+              <a:rPr lang="fr-FR" sz="1000" dirty="0"/>
+              <a:t>(</a:t>
+            </a:r>
+            <a:r>
+              <a:rPr lang="fr-FR" sz="1000" dirty="0" err="1"/>
+              <a:t>diametre</a:t>
+            </a:r>
+            <a:r>
+              <a:rPr lang="fr-FR" sz="1000" dirty="0"/>
+              <a:t>)</a:t>
+            </a:r>
+          </a:p>
+        </p:txBody>
+      </p:sp>
+      <p:cxnSp>
+        <p:nvCxnSpPr>
+          <p:cNvPr id="50" name="Connecteur droit avec flèche 49">
+            <a:extLst>
+              <a:ext uri="{FF2B5EF4-FFF2-40B4-BE49-F238E27FC236}">
+                <a16:creationId xmlns:a16="http://schemas.microsoft.com/office/drawing/2014/main" id="{DC69A9F3-8B92-498E-8239-107EA7712CF1}"/>
+              </a:ext>
+            </a:extLst>
+          </p:cNvPr>
+          <p:cNvCxnSpPr>
+            <a:cxnSpLocks/>
+          </p:cNvCxnSpPr>
+          <p:nvPr/>
+        </p:nvCxnSpPr>
+        <p:spPr>
+          <a:xfrm flipH="1">
+            <a:off x="2464905" y="3195481"/>
+            <a:ext cx="2256183" cy="0"/>
+          </a:xfrm>
+          <a:prstGeom prst="straightConnector1">
+            <a:avLst/>
+          </a:prstGeom>
+          <a:ln>
+            <a:tailEnd type="triangle"/>
+          </a:ln>
+        </p:spPr>
+        <p:style>
+          <a:lnRef idx="1">
+            <a:schemeClr val="accent1"/>
+          </a:lnRef>
+          <a:fillRef idx="0">
+            <a:schemeClr val="accent1"/>
+          </a:fillRef>
+          <a:effectRef idx="0">
+            <a:schemeClr val="accent1"/>
+          </a:effectRef>
+          <a:fontRef idx="minor">
+            <a:schemeClr val="tx1"/>
+          </a:fontRef>
+        </p:style>
+      </p:cxnSp>
+      <p:sp>
+        <p:nvSpPr>
+          <p:cNvPr id="48" name="ZoneTexte 47">
+            <a:extLst>
+              <a:ext uri="{FF2B5EF4-FFF2-40B4-BE49-F238E27FC236}">
+                <a16:creationId xmlns:a16="http://schemas.microsoft.com/office/drawing/2014/main" id="{D4A20405-9F9F-4AE4-B47F-0C85A513D918}"/>
+              </a:ext>
+            </a:extLst>
+          </p:cNvPr>
+          <p:cNvSpPr txBox="1"/>
+          <p:nvPr/>
+        </p:nvSpPr>
+        <p:spPr>
+          <a:xfrm>
+            <a:off x="3171006" y="3263972"/>
+            <a:ext cx="1282148" cy="246221"/>
+          </a:xfrm>
+          <a:prstGeom prst="rect">
+            <a:avLst/>
+          </a:prstGeom>
+          <a:noFill/>
+        </p:spPr>
+        <p:txBody>
+          <a:bodyPr wrap="square" rtlCol="0">
+            <a:spAutoFit/>
+          </a:bodyPr>
+          <a:lstStyle/>
+          <a:p>
+            <a:r>
+              <a:rPr lang="fr-FR" sz="1000" dirty="0">
+                <a:solidFill>
+                  <a:schemeClr val="accent2"/>
+                </a:solidFill>
+              </a:rPr>
+              <a:t>valeur</a:t>
+            </a:r>
+          </a:p>
+        </p:txBody>
+      </p:sp>
+      <p:cxnSp>
+        <p:nvCxnSpPr>
+          <p:cNvPr id="51" name="Connecteur droit avec flèche 50">
+            <a:extLst>
+              <a:ext uri="{FF2B5EF4-FFF2-40B4-BE49-F238E27FC236}">
+                <a16:creationId xmlns:a16="http://schemas.microsoft.com/office/drawing/2014/main" id="{3812E352-8CEC-4EC8-AAAE-0788EB069904}"/>
+              </a:ext>
+            </a:extLst>
+          </p:cNvPr>
+          <p:cNvCxnSpPr/>
+          <p:nvPr/>
+        </p:nvCxnSpPr>
+        <p:spPr>
+          <a:xfrm>
+            <a:off x="2464905" y="2997732"/>
+            <a:ext cx="2286000" cy="0"/>
+          </a:xfrm>
+          <a:prstGeom prst="straightConnector1">
+            <a:avLst/>
+          </a:prstGeom>
+          <a:ln>
+            <a:solidFill>
+              <a:schemeClr val="accent5"/>
+            </a:solidFill>
+            <a:tailEnd type="triangle"/>
+          </a:ln>
+        </p:spPr>
+        <p:style>
+          <a:lnRef idx="1">
+            <a:schemeClr val="accent1"/>
+          </a:lnRef>
+          <a:fillRef idx="0">
+            <a:schemeClr val="accent1"/>
+          </a:fillRef>
+          <a:effectRef idx="0">
+            <a:schemeClr val="accent1"/>
+          </a:effectRef>
+          <a:fontRef idx="minor">
+            <a:schemeClr val="tx1"/>
+          </a:fontRef>
+        </p:style>
+      </p:cxnSp>
+      <p:sp>
+        <p:nvSpPr>
+          <p:cNvPr id="52" name="ZoneTexte 51">
+            <a:extLst>
+              <a:ext uri="{FF2B5EF4-FFF2-40B4-BE49-F238E27FC236}">
+                <a16:creationId xmlns:a16="http://schemas.microsoft.com/office/drawing/2014/main" id="{D0818689-1218-4EA4-BCE7-7BE73FF79242}"/>
+              </a:ext>
+            </a:extLst>
+          </p:cNvPr>
+          <p:cNvSpPr txBox="1"/>
+          <p:nvPr/>
+        </p:nvSpPr>
+        <p:spPr>
+          <a:xfrm>
+            <a:off x="2648797" y="2690780"/>
+            <a:ext cx="1984154" cy="246221"/>
+          </a:xfrm>
+          <a:prstGeom prst="rect">
+            <a:avLst/>
+          </a:prstGeom>
+          <a:noFill/>
+        </p:spPr>
+        <p:txBody>
+          <a:bodyPr wrap="square" rtlCol="0">
+            <a:spAutoFit/>
+          </a:bodyPr>
+          <a:lstStyle/>
+          <a:p>
+            <a:r>
+              <a:rPr lang="fr-FR" sz="1000" dirty="0">
+                <a:solidFill>
+                  <a:schemeClr val="accent5"/>
+                </a:solidFill>
+              </a:rPr>
+              <a:t>Texte (longueur, hauteur …)</a:t>
+            </a:r>
+          </a:p>
+        </p:txBody>
+      </p:sp>
+      <p:grpSp>
+        <p:nvGrpSpPr>
+          <p:cNvPr id="55" name="Groupe 54">
+            <a:extLst>
+              <a:ext uri="{FF2B5EF4-FFF2-40B4-BE49-F238E27FC236}">
+                <a16:creationId xmlns:a16="http://schemas.microsoft.com/office/drawing/2014/main" id="{50FE9C4E-E560-4AE3-833B-1402FA6E4381}"/>
+              </a:ext>
+            </a:extLst>
+          </p:cNvPr>
+          <p:cNvGrpSpPr/>
+          <p:nvPr/>
+        </p:nvGrpSpPr>
+        <p:grpSpPr>
+          <a:xfrm>
+            <a:off x="6147792" y="2051110"/>
+            <a:ext cx="3683267" cy="1744907"/>
+            <a:chOff x="7130506" y="2808023"/>
+            <a:chExt cx="3683267" cy="1744907"/>
+          </a:xfrm>
+          <a:solidFill>
+            <a:srgbClr val="0070C0"/>
+          </a:solidFill>
+        </p:grpSpPr>
+        <p:grpSp>
+          <p:nvGrpSpPr>
+            <p:cNvPr id="53" name="Groupe 52">
+              <a:extLst>
+                <a:ext uri="{FF2B5EF4-FFF2-40B4-BE49-F238E27FC236}">
+                  <a16:creationId xmlns:a16="http://schemas.microsoft.com/office/drawing/2014/main" id="{7A6193EA-DE6D-4D5F-B2E8-1E241A679DF0}"/>
+                </a:ext>
+              </a:extLst>
+            </p:cNvPr>
+            <p:cNvGrpSpPr/>
+            <p:nvPr/>
+          </p:nvGrpSpPr>
+          <p:grpSpPr>
+            <a:xfrm>
+              <a:off x="7130506" y="3229491"/>
+              <a:ext cx="3683267" cy="1323439"/>
+              <a:chOff x="7130506" y="3071191"/>
+              <a:chExt cx="3683267" cy="1323439"/>
+            </a:xfrm>
+            <a:grpFill/>
+          </p:grpSpPr>
+          <p:sp>
+            <p:nvSpPr>
+              <p:cNvPr id="43" name="ZoneTexte 42">
+                <a:extLst>
+                  <a:ext uri="{FF2B5EF4-FFF2-40B4-BE49-F238E27FC236}">
+                    <a16:creationId xmlns:a16="http://schemas.microsoft.com/office/drawing/2014/main" id="{EA4F470F-F48A-4456-9F10-3C2D0508461F}"/>
+                  </a:ext>
+                </a:extLst>
+              </p:cNvPr>
+              <p:cNvSpPr txBox="1"/>
+              <p:nvPr/>
+            </p:nvSpPr>
+            <p:spPr>
+              <a:xfrm>
+                <a:off x="7130506" y="3071191"/>
+                <a:ext cx="3683267" cy="1323439"/>
+              </a:xfrm>
+              <a:prstGeom prst="rect">
+                <a:avLst/>
+              </a:prstGeom>
+              <a:grpFill/>
+              <a:ln>
+                <a:solidFill>
+                  <a:schemeClr val="tx1"/>
+                </a:solidFill>
+              </a:ln>
+            </p:spPr>
+            <p:txBody>
+              <a:bodyPr wrap="square" rtlCol="0">
+                <a:spAutoFit/>
+              </a:bodyPr>
+              <a:lstStyle/>
+              <a:p>
+                <a:r>
+                  <a:rPr lang="fr-FR" sz="1000" dirty="0"/>
+                  <a:t>Quelle est la &lt;texte&gt; ? (longueur, largeur, hauteur, …)</a:t>
+                </a:r>
+              </a:p>
+              <a:p>
+                <a:endParaRPr lang="fr-FR" sz="1000" dirty="0"/>
+              </a:p>
+              <a:p>
+                <a:endParaRPr lang="fr-FR" sz="1000" dirty="0"/>
+              </a:p>
+              <a:p>
+                <a:endParaRPr lang="fr-FR" sz="1000" dirty="0"/>
+              </a:p>
+              <a:p>
+                <a:endParaRPr lang="fr-FR" sz="1000" dirty="0"/>
+              </a:p>
+              <a:p>
+                <a:endParaRPr lang="fr-FR" sz="1000" dirty="0"/>
+              </a:p>
+              <a:p>
+                <a:endParaRPr lang="fr-FR" sz="1000" dirty="0"/>
+              </a:p>
+              <a:p>
+                <a:endParaRPr lang="fr-FR" sz="1000" dirty="0"/>
+              </a:p>
+            </p:txBody>
+          </p:sp>
+          <p:sp>
+            <p:nvSpPr>
+              <p:cNvPr id="44" name="Rectangle 43">
+                <a:extLst>
+                  <a:ext uri="{FF2B5EF4-FFF2-40B4-BE49-F238E27FC236}">
+                    <a16:creationId xmlns:a16="http://schemas.microsoft.com/office/drawing/2014/main" id="{0EC57FF7-9192-4D48-8299-9B1FD0A0E632}"/>
+                  </a:ext>
+                </a:extLst>
+              </p:cNvPr>
+              <p:cNvSpPr/>
+              <p:nvPr/>
+            </p:nvSpPr>
+            <p:spPr>
+              <a:xfrm>
+                <a:off x="7299473" y="3366311"/>
+                <a:ext cx="477080" cy="258878"/>
+              </a:xfrm>
+              <a:prstGeom prst="rect">
+                <a:avLst/>
+              </a:prstGeom>
+              <a:grpFill/>
+              <a:ln>
+                <a:solidFill>
+                  <a:schemeClr val="tx1"/>
+                </a:solidFill>
+              </a:ln>
+            </p:spPr>
+            <p:style>
+              <a:lnRef idx="2">
+                <a:schemeClr val="accent6"/>
+              </a:lnRef>
+              <a:fillRef idx="1">
+                <a:schemeClr val="lt1"/>
+              </a:fillRef>
+              <a:effectRef idx="0">
+                <a:schemeClr val="accent6"/>
+              </a:effectRef>
+              <a:fontRef idx="minor">
+                <a:schemeClr val="dk1"/>
+              </a:fontRef>
+            </p:style>
+            <p:txBody>
+              <a:bodyPr rtlCol="0" anchor="ctr"/>
+              <a:lstStyle/>
+              <a:p>
+                <a:pPr algn="ctr"/>
+                <a:endParaRPr lang="fr-FR"/>
+              </a:p>
+            </p:txBody>
+          </p:sp>
+          <p:sp>
+            <p:nvSpPr>
+              <p:cNvPr id="45" name="ZoneTexte 44">
+                <a:extLst>
+                  <a:ext uri="{FF2B5EF4-FFF2-40B4-BE49-F238E27FC236}">
+                    <a16:creationId xmlns:a16="http://schemas.microsoft.com/office/drawing/2014/main" id="{6EDC48E7-64CF-4A69-89C7-5CAA95737FD1}"/>
+                  </a:ext>
+                </a:extLst>
+              </p:cNvPr>
+              <p:cNvSpPr txBox="1"/>
+              <p:nvPr/>
+            </p:nvSpPr>
+            <p:spPr>
+              <a:xfrm>
+                <a:off x="7299473" y="3892512"/>
+                <a:ext cx="646046" cy="246221"/>
+              </a:xfrm>
+              <a:prstGeom prst="rect">
+                <a:avLst/>
+              </a:prstGeom>
+              <a:grpFill/>
+              <a:ln>
+                <a:solidFill>
+                  <a:schemeClr val="tx1"/>
+                </a:solidFill>
+              </a:ln>
+            </p:spPr>
+            <p:txBody>
+              <a:bodyPr wrap="square" rtlCol="0">
+                <a:spAutoFit/>
+              </a:bodyPr>
+              <a:lstStyle/>
+              <a:p>
+                <a:r>
+                  <a:rPr lang="fr-FR" sz="1000" dirty="0"/>
+                  <a:t>Valider</a:t>
+                </a:r>
+              </a:p>
+            </p:txBody>
+          </p:sp>
+        </p:grpSp>
+        <p:sp>
+          <p:nvSpPr>
+            <p:cNvPr id="54" name="ZoneTexte 53">
+              <a:extLst>
+                <a:ext uri="{FF2B5EF4-FFF2-40B4-BE49-F238E27FC236}">
+                  <a16:creationId xmlns:a16="http://schemas.microsoft.com/office/drawing/2014/main" id="{B3847153-4389-413E-824A-DC1ADDE11A35}"/>
+                </a:ext>
+              </a:extLst>
+            </p:cNvPr>
+            <p:cNvSpPr txBox="1"/>
+            <p:nvPr/>
+          </p:nvSpPr>
+          <p:spPr>
+            <a:xfrm>
+              <a:off x="8435018" y="2808023"/>
+              <a:ext cx="786846" cy="246221"/>
+            </a:xfrm>
+            <a:prstGeom prst="rect">
+              <a:avLst/>
+            </a:prstGeom>
+            <a:grpFill/>
+          </p:spPr>
+          <p:txBody>
+            <a:bodyPr wrap="square" rtlCol="0">
+              <a:spAutoFit/>
+            </a:bodyPr>
+            <a:lstStyle/>
+            <a:p>
+              <a:r>
+                <a:rPr lang="fr-FR" sz="1000" dirty="0"/>
+                <a:t>Exemple</a:t>
+              </a:r>
+            </a:p>
+          </p:txBody>
+        </p:sp>
+      </p:grpSp>
+      <p:sp>
+        <p:nvSpPr>
+          <p:cNvPr id="56" name="ZoneTexte 55">
+            <a:extLst>
+              <a:ext uri="{FF2B5EF4-FFF2-40B4-BE49-F238E27FC236}">
+                <a16:creationId xmlns:a16="http://schemas.microsoft.com/office/drawing/2014/main" id="{2BED18A5-9E72-4ACD-93A6-AD33F8740A31}"/>
+              </a:ext>
+            </a:extLst>
+          </p:cNvPr>
+          <p:cNvSpPr txBox="1"/>
+          <p:nvPr/>
+        </p:nvSpPr>
+        <p:spPr>
+          <a:xfrm>
+            <a:off x="5217221" y="5953110"/>
+            <a:ext cx="1757558" cy="246221"/>
+          </a:xfrm>
+          <a:prstGeom prst="rect">
+            <a:avLst/>
+          </a:prstGeom>
+          <a:solidFill>
+            <a:srgbClr val="0070C0"/>
+          </a:solidFill>
+          <a:ln>
+            <a:solidFill>
+              <a:schemeClr val="tx1"/>
+            </a:solidFill>
+          </a:ln>
+        </p:spPr>
+        <p:txBody>
+          <a:bodyPr wrap="square" rtlCol="0">
+            <a:spAutoFit/>
+          </a:bodyPr>
+          <a:lstStyle/>
+          <a:p>
+            <a:r>
+              <a:rPr lang="fr-FR" sz="1000" dirty="0"/>
+              <a:t>affichResult.html</a:t>
+            </a:r>
+          </a:p>
+        </p:txBody>
+      </p:sp>
+      <p:cxnSp>
+        <p:nvCxnSpPr>
+          <p:cNvPr id="62" name="Connecteur droit avec flèche 61">
+            <a:extLst>
+              <a:ext uri="{FF2B5EF4-FFF2-40B4-BE49-F238E27FC236}">
+                <a16:creationId xmlns:a16="http://schemas.microsoft.com/office/drawing/2014/main" id="{739832A9-750C-4EF7-A1D2-2639230E2D2D}"/>
+              </a:ext>
+            </a:extLst>
+          </p:cNvPr>
+          <p:cNvCxnSpPr/>
+          <p:nvPr/>
+        </p:nvCxnSpPr>
+        <p:spPr>
+          <a:xfrm>
+            <a:off x="2497874" y="6108178"/>
+            <a:ext cx="2286000" cy="0"/>
+          </a:xfrm>
+          <a:prstGeom prst="straightConnector1">
+            <a:avLst/>
+          </a:prstGeom>
+          <a:ln>
+            <a:solidFill>
+              <a:schemeClr val="accent5"/>
+            </a:solidFill>
+            <a:tailEnd type="triangle"/>
+          </a:ln>
+        </p:spPr>
+        <p:style>
+          <a:lnRef idx="1">
+            <a:schemeClr val="accent1"/>
+          </a:lnRef>
+          <a:fillRef idx="0">
+            <a:schemeClr val="accent1"/>
+          </a:fillRef>
+          <a:effectRef idx="0">
+            <a:schemeClr val="accent1"/>
+          </a:effectRef>
+          <a:fontRef idx="minor">
+            <a:schemeClr val="tx1"/>
+          </a:fontRef>
+        </p:style>
+      </p:cxnSp>
+      <p:sp>
+        <p:nvSpPr>
+          <p:cNvPr id="63" name="ZoneTexte 62">
+            <a:extLst>
+              <a:ext uri="{FF2B5EF4-FFF2-40B4-BE49-F238E27FC236}">
+                <a16:creationId xmlns:a16="http://schemas.microsoft.com/office/drawing/2014/main" id="{87345D46-8933-43B1-A245-0828B2C2E85A}"/>
+              </a:ext>
+            </a:extLst>
+          </p:cNvPr>
+          <p:cNvSpPr txBox="1"/>
+          <p:nvPr/>
+        </p:nvSpPr>
+        <p:spPr>
+          <a:xfrm>
+            <a:off x="578129" y="5961958"/>
+            <a:ext cx="1669774" cy="246221"/>
+          </a:xfrm>
+          <a:prstGeom prst="rect">
+            <a:avLst/>
+          </a:prstGeom>
+          <a:solidFill>
+            <a:schemeClr val="accent1"/>
+          </a:solidFill>
+          <a:ln>
+            <a:solidFill>
+              <a:schemeClr val="tx1"/>
+            </a:solidFill>
+          </a:ln>
+        </p:spPr>
+        <p:txBody>
+          <a:bodyPr wrap="square" rtlCol="0">
+            <a:spAutoFit/>
+          </a:bodyPr>
+          <a:lstStyle/>
+          <a:p>
+            <a:r>
+              <a:rPr lang="fr-FR" sz="1000" dirty="0" err="1"/>
+              <a:t>affichResult</a:t>
+            </a:r>
+            <a:endParaRPr lang="fr-FR" sz="1000" dirty="0"/>
+          </a:p>
+        </p:txBody>
+      </p:sp>
+      <p:sp>
+        <p:nvSpPr>
+          <p:cNvPr id="65" name="ZoneTexte 64">
+            <a:extLst>
+              <a:ext uri="{FF2B5EF4-FFF2-40B4-BE49-F238E27FC236}">
+                <a16:creationId xmlns:a16="http://schemas.microsoft.com/office/drawing/2014/main" id="{1246AF3F-5A6F-4AEB-B529-58015F50B076}"/>
+              </a:ext>
+            </a:extLst>
+          </p:cNvPr>
+          <p:cNvSpPr txBox="1"/>
+          <p:nvPr/>
+        </p:nvSpPr>
+        <p:spPr>
+          <a:xfrm>
+            <a:off x="103577" y="525244"/>
+            <a:ext cx="274110" cy="369332"/>
+          </a:xfrm>
+          <a:prstGeom prst="rect">
+            <a:avLst/>
+          </a:prstGeom>
+          <a:noFill/>
+        </p:spPr>
+        <p:txBody>
+          <a:bodyPr wrap="square" rtlCol="0">
+            <a:spAutoFit/>
+          </a:bodyPr>
+          <a:lstStyle/>
+          <a:p>
+            <a:r>
+              <a:rPr lang="fr-FR" dirty="0"/>
+              <a:t>1</a:t>
+            </a:r>
+          </a:p>
+        </p:txBody>
+      </p:sp>
+      <p:sp>
+        <p:nvSpPr>
+          <p:cNvPr id="66" name="ZoneTexte 65">
+            <a:extLst>
+              <a:ext uri="{FF2B5EF4-FFF2-40B4-BE49-F238E27FC236}">
+                <a16:creationId xmlns:a16="http://schemas.microsoft.com/office/drawing/2014/main" id="{D733BE63-FFDE-4DCE-87EA-476ACD5A23E2}"/>
+              </a:ext>
+            </a:extLst>
+          </p:cNvPr>
+          <p:cNvSpPr txBox="1"/>
+          <p:nvPr/>
+        </p:nvSpPr>
+        <p:spPr>
+          <a:xfrm>
+            <a:off x="118922" y="1410790"/>
+            <a:ext cx="274110" cy="369332"/>
+          </a:xfrm>
+          <a:prstGeom prst="rect">
+            <a:avLst/>
+          </a:prstGeom>
+          <a:noFill/>
+        </p:spPr>
+        <p:txBody>
+          <a:bodyPr wrap="square" rtlCol="0">
+            <a:spAutoFit/>
+          </a:bodyPr>
+          <a:lstStyle/>
+          <a:p>
+            <a:r>
+              <a:rPr lang="fr-FR" dirty="0"/>
+              <a:t>2</a:t>
+            </a:r>
+          </a:p>
+        </p:txBody>
+      </p:sp>
+      <p:sp>
+        <p:nvSpPr>
+          <p:cNvPr id="67" name="ZoneTexte 66">
+            <a:extLst>
+              <a:ext uri="{FF2B5EF4-FFF2-40B4-BE49-F238E27FC236}">
+                <a16:creationId xmlns:a16="http://schemas.microsoft.com/office/drawing/2014/main" id="{821809C9-3094-474D-9C90-809A46F62D1D}"/>
+              </a:ext>
+            </a:extLst>
+          </p:cNvPr>
+          <p:cNvSpPr txBox="1"/>
+          <p:nvPr/>
+        </p:nvSpPr>
+        <p:spPr>
+          <a:xfrm>
+            <a:off x="135054" y="2899054"/>
+            <a:ext cx="274110" cy="369332"/>
+          </a:xfrm>
+          <a:prstGeom prst="rect">
+            <a:avLst/>
+          </a:prstGeom>
+          <a:noFill/>
+        </p:spPr>
+        <p:txBody>
+          <a:bodyPr wrap="square" rtlCol="0">
+            <a:spAutoFit/>
+          </a:bodyPr>
+          <a:lstStyle/>
+          <a:p>
+            <a:r>
+              <a:rPr lang="fr-FR" dirty="0"/>
+              <a:t>3</a:t>
+            </a:r>
+          </a:p>
+        </p:txBody>
+      </p:sp>
+      <p:sp>
+        <p:nvSpPr>
+          <p:cNvPr id="68" name="ZoneTexte 67">
+            <a:extLst>
+              <a:ext uri="{FF2B5EF4-FFF2-40B4-BE49-F238E27FC236}">
+                <a16:creationId xmlns:a16="http://schemas.microsoft.com/office/drawing/2014/main" id="{EC3D6555-EA34-46EF-B9FF-B055A695B441}"/>
+              </a:ext>
+            </a:extLst>
+          </p:cNvPr>
+          <p:cNvSpPr txBox="1"/>
+          <p:nvPr/>
+        </p:nvSpPr>
+        <p:spPr>
+          <a:xfrm>
+            <a:off x="578129" y="4174435"/>
+            <a:ext cx="1599370" cy="1477328"/>
+          </a:xfrm>
+          <a:prstGeom prst="rect">
+            <a:avLst/>
+          </a:prstGeom>
+          <a:solidFill>
+            <a:schemeClr val="accent1"/>
+          </a:solidFill>
+          <a:ln>
+            <a:solidFill>
+              <a:schemeClr val="tx1"/>
+            </a:solidFill>
+          </a:ln>
+        </p:spPr>
+        <p:txBody>
+          <a:bodyPr wrap="square" rtlCol="0">
+            <a:spAutoFit/>
+          </a:bodyPr>
+          <a:lstStyle/>
+          <a:p>
+            <a:r>
+              <a:rPr lang="fr-FR" sz="1000" dirty="0" err="1"/>
+              <a:t>calculPerimetre</a:t>
+            </a:r>
+            <a:r>
+              <a:rPr lang="fr-FR" sz="1000" dirty="0"/>
+              <a:t>(forme, longueur, largeur, …)</a:t>
+            </a:r>
+          </a:p>
+          <a:p>
+            <a:endParaRPr lang="fr-FR" sz="1000" dirty="0"/>
+          </a:p>
+          <a:p>
+            <a:pPr algn="ctr"/>
+            <a:r>
+              <a:rPr lang="fr-FR" sz="1000" dirty="0"/>
+              <a:t>Ou</a:t>
+            </a:r>
+          </a:p>
+          <a:p>
+            <a:pPr algn="ctr"/>
+            <a:endParaRPr lang="fr-FR" sz="1000" dirty="0"/>
+          </a:p>
+          <a:p>
+            <a:pPr algn="ctr"/>
+            <a:r>
+              <a:rPr lang="fr-FR" sz="1000" dirty="0" err="1"/>
+              <a:t>calculsurface</a:t>
+            </a:r>
+            <a:r>
+              <a:rPr lang="fr-FR" sz="1000" dirty="0"/>
+              <a:t>(forme, longueur, largeur, …)</a:t>
+            </a:r>
+          </a:p>
+          <a:p>
+            <a:pPr algn="ctr"/>
+            <a:endParaRPr lang="fr-FR" sz="1000" dirty="0"/>
+          </a:p>
+          <a:p>
+            <a:endParaRPr lang="fr-FR" sz="1000" dirty="0"/>
+          </a:p>
+        </p:txBody>
+      </p:sp>
+      <p:cxnSp>
+        <p:nvCxnSpPr>
+          <p:cNvPr id="69" name="Connecteur droit avec flèche 68">
+            <a:extLst>
+              <a:ext uri="{FF2B5EF4-FFF2-40B4-BE49-F238E27FC236}">
+                <a16:creationId xmlns:a16="http://schemas.microsoft.com/office/drawing/2014/main" id="{EBE266AF-840B-47A7-ADE8-CC8821570F57}"/>
+              </a:ext>
+            </a:extLst>
+          </p:cNvPr>
+          <p:cNvCxnSpPr>
+            <a:cxnSpLocks/>
+          </p:cNvCxnSpPr>
+          <p:nvPr/>
+        </p:nvCxnSpPr>
+        <p:spPr>
+          <a:xfrm flipH="1">
+            <a:off x="2348942" y="5534490"/>
+            <a:ext cx="5491397" cy="0"/>
+          </a:xfrm>
+          <a:prstGeom prst="straightConnector1">
+            <a:avLst/>
+          </a:prstGeom>
+          <a:ln>
+            <a:tailEnd type="triangle"/>
+          </a:ln>
+        </p:spPr>
+        <p:style>
+          <a:lnRef idx="1">
+            <a:schemeClr val="accent1"/>
+          </a:lnRef>
+          <a:fillRef idx="0">
+            <a:schemeClr val="accent1"/>
+          </a:fillRef>
+          <a:effectRef idx="0">
+            <a:schemeClr val="accent1"/>
+          </a:effectRef>
+          <a:fontRef idx="minor">
+            <a:schemeClr val="tx1"/>
+          </a:fontRef>
+        </p:style>
+      </p:cxnSp>
+      <p:cxnSp>
+        <p:nvCxnSpPr>
+          <p:cNvPr id="72" name="Connecteur droit 71">
+            <a:extLst>
+              <a:ext uri="{FF2B5EF4-FFF2-40B4-BE49-F238E27FC236}">
+                <a16:creationId xmlns:a16="http://schemas.microsoft.com/office/drawing/2014/main" id="{11D836BF-4D22-4506-9063-EB5818F2F134}"/>
+              </a:ext>
+            </a:extLst>
+          </p:cNvPr>
+          <p:cNvCxnSpPr/>
+          <p:nvPr/>
+        </p:nvCxnSpPr>
+        <p:spPr>
+          <a:xfrm>
+            <a:off x="4242386" y="5091523"/>
+            <a:ext cx="0" cy="442967"/>
+          </a:xfrm>
+          <a:prstGeom prst="line">
+            <a:avLst/>
+          </a:prstGeom>
+        </p:spPr>
+        <p:style>
+          <a:lnRef idx="1">
+            <a:schemeClr val="accent1"/>
+          </a:lnRef>
+          <a:fillRef idx="0">
+            <a:schemeClr val="accent1"/>
+          </a:fillRef>
+          <a:effectRef idx="0">
+            <a:schemeClr val="accent1"/>
+          </a:effectRef>
+          <a:fontRef idx="minor">
+            <a:schemeClr val="tx1"/>
+          </a:fontRef>
+        </p:style>
+      </p:cxnSp>
+      <p:cxnSp>
+        <p:nvCxnSpPr>
+          <p:cNvPr id="74" name="Connecteur droit 73">
+            <a:extLst>
+              <a:ext uri="{FF2B5EF4-FFF2-40B4-BE49-F238E27FC236}">
+                <a16:creationId xmlns:a16="http://schemas.microsoft.com/office/drawing/2014/main" id="{732BDA48-CCFA-421D-A83A-973DEE8468BD}"/>
+              </a:ext>
+            </a:extLst>
+          </p:cNvPr>
+          <p:cNvCxnSpPr/>
+          <p:nvPr/>
+        </p:nvCxnSpPr>
+        <p:spPr>
+          <a:xfrm>
+            <a:off x="7840339" y="5091523"/>
+            <a:ext cx="0" cy="442967"/>
+          </a:xfrm>
+          <a:prstGeom prst="line">
+            <a:avLst/>
+          </a:prstGeom>
+        </p:spPr>
+        <p:style>
+          <a:lnRef idx="1">
+            <a:schemeClr val="accent1"/>
+          </a:lnRef>
+          <a:fillRef idx="0">
+            <a:schemeClr val="accent1"/>
+          </a:fillRef>
+          <a:effectRef idx="0">
+            <a:schemeClr val="accent1"/>
+          </a:effectRef>
+          <a:fontRef idx="minor">
+            <a:schemeClr val="tx1"/>
+          </a:fontRef>
+        </p:style>
+      </p:cxnSp>
+      <p:sp>
+        <p:nvSpPr>
+          <p:cNvPr id="75" name="ZoneTexte 74">
+            <a:extLst>
+              <a:ext uri="{FF2B5EF4-FFF2-40B4-BE49-F238E27FC236}">
+                <a16:creationId xmlns:a16="http://schemas.microsoft.com/office/drawing/2014/main" id="{11130DB4-6847-434F-A32C-A23369F93B2B}"/>
+              </a:ext>
+            </a:extLst>
+          </p:cNvPr>
+          <p:cNvSpPr txBox="1"/>
+          <p:nvPr/>
+        </p:nvSpPr>
+        <p:spPr>
+          <a:xfrm>
+            <a:off x="2999800" y="5232460"/>
+            <a:ext cx="1282148" cy="246221"/>
+          </a:xfrm>
+          <a:prstGeom prst="rect">
+            <a:avLst/>
+          </a:prstGeom>
+          <a:noFill/>
+        </p:spPr>
+        <p:txBody>
+          <a:bodyPr wrap="square" rtlCol="0">
+            <a:spAutoFit/>
+          </a:bodyPr>
+          <a:lstStyle/>
+          <a:p>
+            <a:r>
+              <a:rPr lang="fr-FR" sz="1000" dirty="0" err="1">
+                <a:solidFill>
+                  <a:schemeClr val="accent2"/>
+                </a:solidFill>
+              </a:rPr>
+              <a:t>resultat</a:t>
+            </a:r>
+            <a:endParaRPr lang="fr-FR" sz="1000" dirty="0">
+              <a:solidFill>
+                <a:schemeClr val="accent2"/>
+              </a:solidFill>
+            </a:endParaRPr>
+          </a:p>
+        </p:txBody>
+      </p:sp>
+      <p:sp>
+        <p:nvSpPr>
+          <p:cNvPr id="76" name="ZoneTexte 75">
+            <a:extLst>
+              <a:ext uri="{FF2B5EF4-FFF2-40B4-BE49-F238E27FC236}">
+                <a16:creationId xmlns:a16="http://schemas.microsoft.com/office/drawing/2014/main" id="{6479E970-EB30-4A02-AABE-D2EBFA283464}"/>
+              </a:ext>
+            </a:extLst>
+          </p:cNvPr>
+          <p:cNvSpPr txBox="1"/>
+          <p:nvPr/>
+        </p:nvSpPr>
+        <p:spPr>
+          <a:xfrm>
+            <a:off x="2615828" y="5837758"/>
+            <a:ext cx="1984154" cy="246221"/>
+          </a:xfrm>
+          <a:prstGeom prst="rect">
+            <a:avLst/>
+          </a:prstGeom>
+          <a:noFill/>
+        </p:spPr>
+        <p:txBody>
+          <a:bodyPr wrap="square" rtlCol="0">
+            <a:spAutoFit/>
+          </a:bodyPr>
+          <a:lstStyle/>
+          <a:p>
+            <a:r>
+              <a:rPr lang="fr-FR" sz="1000" dirty="0">
+                <a:solidFill>
+                  <a:schemeClr val="accent5"/>
+                </a:solidFill>
+              </a:rPr>
+              <a:t>Choses à afficher</a:t>
+            </a:r>
+          </a:p>
+        </p:txBody>
+      </p:sp>
+      <p:sp>
+        <p:nvSpPr>
+          <p:cNvPr id="77" name="ZoneTexte 76">
+            <a:extLst>
+              <a:ext uri="{FF2B5EF4-FFF2-40B4-BE49-F238E27FC236}">
+                <a16:creationId xmlns:a16="http://schemas.microsoft.com/office/drawing/2014/main" id="{297E9952-537E-4949-A5C8-8B042953B78C}"/>
+              </a:ext>
+            </a:extLst>
+          </p:cNvPr>
+          <p:cNvSpPr txBox="1"/>
+          <p:nvPr/>
+        </p:nvSpPr>
+        <p:spPr>
+          <a:xfrm>
+            <a:off x="9088547" y="628759"/>
+            <a:ext cx="1352967" cy="369332"/>
+          </a:xfrm>
+          <a:prstGeom prst="rect">
+            <a:avLst/>
+          </a:prstGeom>
+          <a:solidFill>
+            <a:schemeClr val="accent1"/>
+          </a:solidFill>
+        </p:spPr>
+        <p:txBody>
+          <a:bodyPr wrap="square" rtlCol="0">
+            <a:spAutoFit/>
+          </a:bodyPr>
+          <a:lstStyle/>
+          <a:p>
+            <a:r>
+              <a:rPr lang="fr-FR" dirty="0"/>
+              <a:t>Controller</a:t>
+            </a:r>
+          </a:p>
+        </p:txBody>
+      </p:sp>
+      <p:sp>
+        <p:nvSpPr>
+          <p:cNvPr id="78" name="ZoneTexte 77">
+            <a:extLst>
+              <a:ext uri="{FF2B5EF4-FFF2-40B4-BE49-F238E27FC236}">
+                <a16:creationId xmlns:a16="http://schemas.microsoft.com/office/drawing/2014/main" id="{494F461F-E9E7-4588-9FF8-FF8565D40E70}"/>
+              </a:ext>
+            </a:extLst>
+          </p:cNvPr>
+          <p:cNvSpPr txBox="1"/>
+          <p:nvPr/>
+        </p:nvSpPr>
+        <p:spPr>
+          <a:xfrm>
+            <a:off x="9861267" y="98686"/>
+            <a:ext cx="944217" cy="367286"/>
+          </a:xfrm>
+          <a:prstGeom prst="rect">
+            <a:avLst/>
+          </a:prstGeom>
+          <a:solidFill>
+            <a:srgbClr val="0070C0"/>
+          </a:solidFill>
+        </p:spPr>
+        <p:txBody>
+          <a:bodyPr wrap="square" rtlCol="0">
+            <a:spAutoFit/>
+          </a:bodyPr>
+          <a:lstStyle/>
+          <a:p>
+            <a:r>
+              <a:rPr lang="fr-FR" dirty="0" err="1"/>
+              <a:t>view</a:t>
+            </a:r>
+            <a:endParaRPr lang="fr-FR" dirty="0"/>
+          </a:p>
+        </p:txBody>
+      </p:sp>
+      <p:sp>
+        <p:nvSpPr>
+          <p:cNvPr id="79" name="ZoneTexte 78">
+            <a:extLst>
+              <a:ext uri="{FF2B5EF4-FFF2-40B4-BE49-F238E27FC236}">
+                <a16:creationId xmlns:a16="http://schemas.microsoft.com/office/drawing/2014/main" id="{DA6AA219-A978-4ABE-AD6F-96F1D5B585DF}"/>
+              </a:ext>
+            </a:extLst>
+          </p:cNvPr>
+          <p:cNvSpPr txBox="1"/>
+          <p:nvPr/>
+        </p:nvSpPr>
+        <p:spPr>
+          <a:xfrm>
+            <a:off x="10356168" y="1700783"/>
+            <a:ext cx="1460563" cy="954107"/>
+          </a:xfrm>
+          <a:prstGeom prst="rect">
+            <a:avLst/>
+          </a:prstGeom>
+          <a:solidFill>
+            <a:srgbClr val="FFC000"/>
+          </a:solidFill>
+          <a:ln>
+            <a:solidFill>
+              <a:schemeClr val="tx1"/>
+            </a:solidFill>
+          </a:ln>
+        </p:spPr>
+        <p:txBody>
+          <a:bodyPr wrap="square" rtlCol="0">
+            <a:spAutoFit/>
+          </a:bodyPr>
+          <a:lstStyle/>
+          <a:p>
+            <a:pPr algn="ctr"/>
+            <a:r>
+              <a:rPr lang="fr-FR" sz="800" u="sng" dirty="0" err="1"/>
+              <a:t>Quadrilatere</a:t>
+            </a:r>
+            <a:endParaRPr lang="fr-FR" sz="800" u="sng" dirty="0"/>
+          </a:p>
+          <a:p>
+            <a:pPr algn="ctr"/>
+            <a:endParaRPr lang="fr-FR" sz="800" u="sng" dirty="0"/>
+          </a:p>
+          <a:p>
+            <a:r>
+              <a:rPr lang="fr-FR" sz="800" dirty="0"/>
+              <a:t> </a:t>
+            </a:r>
+            <a:r>
+              <a:rPr lang="fr-FR" sz="800" dirty="0" err="1"/>
+              <a:t>private</a:t>
+            </a:r>
+            <a:r>
+              <a:rPr lang="fr-FR" sz="800" dirty="0"/>
+              <a:t> double cote;</a:t>
+            </a:r>
+          </a:p>
+          <a:p>
+            <a:r>
+              <a:rPr lang="fr-FR" sz="800" dirty="0"/>
+              <a:t> </a:t>
+            </a:r>
+            <a:r>
+              <a:rPr lang="fr-FR" sz="800" dirty="0" err="1"/>
+              <a:t>private</a:t>
+            </a:r>
+            <a:r>
+              <a:rPr lang="fr-FR" sz="800" dirty="0"/>
+              <a:t> double longueur;</a:t>
+            </a:r>
+          </a:p>
+          <a:p>
+            <a:r>
+              <a:rPr lang="fr-FR" sz="800" dirty="0"/>
+              <a:t> </a:t>
+            </a:r>
+            <a:r>
+              <a:rPr lang="fr-FR" sz="800" dirty="0" err="1"/>
+              <a:t>private</a:t>
+            </a:r>
+            <a:r>
+              <a:rPr lang="fr-FR" sz="800" dirty="0"/>
+              <a:t> double largeur;</a:t>
+            </a:r>
+          </a:p>
+          <a:p>
+            <a:endParaRPr lang="fr-FR" sz="800" dirty="0"/>
+          </a:p>
+          <a:p>
+            <a:r>
+              <a:rPr lang="fr-FR" sz="800" dirty="0"/>
+              <a:t> </a:t>
+            </a:r>
+            <a:r>
+              <a:rPr lang="fr-FR" sz="800" dirty="0" err="1"/>
+              <a:t>void</a:t>
+            </a:r>
+            <a:r>
+              <a:rPr lang="fr-FR" sz="800" dirty="0"/>
+              <a:t> </a:t>
+            </a:r>
+            <a:r>
+              <a:rPr lang="fr-FR" sz="800" dirty="0" err="1"/>
+              <a:t>color</a:t>
+            </a:r>
+            <a:r>
+              <a:rPr lang="fr-FR" sz="800" dirty="0"/>
+              <a:t>(String </a:t>
+            </a:r>
+            <a:r>
+              <a:rPr lang="fr-FR" sz="800" dirty="0" err="1"/>
+              <a:t>color</a:t>
+            </a:r>
+            <a:r>
+              <a:rPr lang="fr-FR" sz="800" dirty="0"/>
+              <a:t>)</a:t>
+            </a:r>
+          </a:p>
+        </p:txBody>
+      </p:sp>
+      <p:sp>
+        <p:nvSpPr>
+          <p:cNvPr id="80" name="ZoneTexte 79">
+            <a:extLst>
+              <a:ext uri="{FF2B5EF4-FFF2-40B4-BE49-F238E27FC236}">
+                <a16:creationId xmlns:a16="http://schemas.microsoft.com/office/drawing/2014/main" id="{9AD2BD25-F941-4A86-904F-C25EBD219CD1}"/>
+              </a:ext>
+            </a:extLst>
+          </p:cNvPr>
+          <p:cNvSpPr txBox="1"/>
+          <p:nvPr/>
+        </p:nvSpPr>
+        <p:spPr>
+          <a:xfrm>
+            <a:off x="10031893" y="3054277"/>
+            <a:ext cx="2075254" cy="338554"/>
+          </a:xfrm>
+          <a:prstGeom prst="rect">
+            <a:avLst/>
+          </a:prstGeom>
+          <a:solidFill>
+            <a:srgbClr val="FFC000"/>
+          </a:solidFill>
+          <a:ln>
+            <a:solidFill>
+              <a:schemeClr val="tx1"/>
+            </a:solidFill>
+          </a:ln>
+        </p:spPr>
+        <p:txBody>
+          <a:bodyPr wrap="square" rtlCol="0">
+            <a:spAutoFit/>
+          </a:bodyPr>
+          <a:lstStyle/>
+          <a:p>
+            <a:pPr algn="ctr"/>
+            <a:r>
+              <a:rPr lang="fr-FR" sz="800" dirty="0"/>
+              <a:t>Carre </a:t>
+            </a:r>
+            <a:r>
+              <a:rPr lang="fr-FR" sz="800" dirty="0" err="1"/>
+              <a:t>extends</a:t>
+            </a:r>
+            <a:r>
+              <a:rPr lang="fr-FR" sz="800" dirty="0"/>
+              <a:t> </a:t>
+            </a:r>
+            <a:r>
+              <a:rPr lang="fr-FR" sz="800" dirty="0" err="1"/>
+              <a:t>Quadrilatere</a:t>
+            </a:r>
+            <a:r>
+              <a:rPr lang="fr-FR" sz="800" dirty="0"/>
+              <a:t> </a:t>
+            </a:r>
+          </a:p>
+          <a:p>
+            <a:r>
+              <a:rPr lang="fr-FR" sz="800" dirty="0" err="1"/>
+              <a:t>Implement</a:t>
+            </a:r>
+            <a:r>
+              <a:rPr lang="fr-FR" sz="800" dirty="0"/>
+              <a:t> </a:t>
+            </a:r>
+            <a:r>
+              <a:rPr lang="fr-FR" sz="800" dirty="0" err="1"/>
+              <a:t>FigureGeometriqueInterface</a:t>
+            </a:r>
+            <a:endParaRPr lang="fr-FR" sz="800" dirty="0"/>
+          </a:p>
+        </p:txBody>
+      </p:sp>
+      <p:sp>
+        <p:nvSpPr>
+          <p:cNvPr id="81" name="ZoneTexte 80">
+            <a:extLst>
+              <a:ext uri="{FF2B5EF4-FFF2-40B4-BE49-F238E27FC236}">
+                <a16:creationId xmlns:a16="http://schemas.microsoft.com/office/drawing/2014/main" id="{ED9135E2-DBE4-47DC-BD28-89C2694C9495}"/>
+              </a:ext>
+            </a:extLst>
+          </p:cNvPr>
+          <p:cNvSpPr txBox="1"/>
+          <p:nvPr/>
+        </p:nvSpPr>
+        <p:spPr>
+          <a:xfrm>
+            <a:off x="10031893" y="3659911"/>
+            <a:ext cx="2075254" cy="338554"/>
+          </a:xfrm>
+          <a:prstGeom prst="rect">
+            <a:avLst/>
+          </a:prstGeom>
+          <a:solidFill>
+            <a:srgbClr val="FFC000"/>
+          </a:solidFill>
+          <a:ln>
+            <a:solidFill>
+              <a:schemeClr val="tx1"/>
+            </a:solidFill>
+          </a:ln>
+        </p:spPr>
+        <p:txBody>
+          <a:bodyPr wrap="square" rtlCol="0">
+            <a:spAutoFit/>
+          </a:bodyPr>
+          <a:lstStyle/>
+          <a:p>
+            <a:pPr algn="ctr"/>
+            <a:r>
+              <a:rPr lang="fr-FR" sz="800" dirty="0"/>
+              <a:t>Rectangle </a:t>
+            </a:r>
+            <a:r>
+              <a:rPr lang="fr-FR" sz="800" dirty="0" err="1"/>
+              <a:t>extends</a:t>
+            </a:r>
+            <a:r>
+              <a:rPr lang="fr-FR" sz="800" dirty="0"/>
+              <a:t> </a:t>
+            </a:r>
+            <a:r>
+              <a:rPr lang="fr-FR" sz="800" dirty="0" err="1"/>
+              <a:t>Quadrilatere</a:t>
+            </a:r>
+            <a:endParaRPr lang="fr-FR" sz="800" dirty="0"/>
+          </a:p>
+          <a:p>
+            <a:r>
+              <a:rPr lang="fr-FR" sz="800" dirty="0" err="1"/>
+              <a:t>Implement</a:t>
+            </a:r>
+            <a:r>
+              <a:rPr lang="fr-FR" sz="800" dirty="0"/>
+              <a:t> </a:t>
+            </a:r>
+            <a:r>
+              <a:rPr lang="fr-FR" sz="800" dirty="0" err="1"/>
+              <a:t>FigureGeometriqueInterface</a:t>
+            </a:r>
+            <a:endParaRPr lang="fr-FR" sz="800" dirty="0"/>
+          </a:p>
+        </p:txBody>
+      </p:sp>
+      <p:sp>
+        <p:nvSpPr>
+          <p:cNvPr id="82" name="ZoneTexte 81">
+            <a:extLst>
+              <a:ext uri="{FF2B5EF4-FFF2-40B4-BE49-F238E27FC236}">
+                <a16:creationId xmlns:a16="http://schemas.microsoft.com/office/drawing/2014/main" id="{AA0FD927-DE9A-40C6-8BBC-C444AC06CC39}"/>
+              </a:ext>
+            </a:extLst>
+          </p:cNvPr>
+          <p:cNvSpPr txBox="1"/>
+          <p:nvPr/>
+        </p:nvSpPr>
+        <p:spPr>
+          <a:xfrm>
+            <a:off x="10251484" y="5815790"/>
+            <a:ext cx="1669932" cy="584775"/>
+          </a:xfrm>
+          <a:prstGeom prst="rect">
+            <a:avLst/>
+          </a:prstGeom>
+          <a:solidFill>
+            <a:srgbClr val="FFC000"/>
+          </a:solidFill>
+          <a:ln>
+            <a:solidFill>
+              <a:schemeClr val="tx1"/>
+            </a:solidFill>
+          </a:ln>
+        </p:spPr>
+        <p:txBody>
+          <a:bodyPr wrap="square" rtlCol="0">
+            <a:spAutoFit/>
+          </a:bodyPr>
+          <a:lstStyle/>
+          <a:p>
+            <a:r>
+              <a:rPr lang="fr-FR" sz="800" dirty="0" err="1"/>
+              <a:t>FigureGeometriqueInterface</a:t>
+            </a:r>
+            <a:endParaRPr lang="fr-FR" sz="800" dirty="0"/>
+          </a:p>
+          <a:p>
+            <a:endParaRPr lang="fr-FR" sz="800" dirty="0"/>
+          </a:p>
+          <a:p>
+            <a:r>
+              <a:rPr lang="fr-FR" sz="800" dirty="0"/>
+              <a:t> double </a:t>
+            </a:r>
+            <a:r>
+              <a:rPr lang="fr-FR" sz="800" dirty="0" err="1"/>
+              <a:t>calculAire</a:t>
+            </a:r>
+            <a:r>
+              <a:rPr lang="fr-FR" sz="800" dirty="0"/>
+              <a:t>();</a:t>
+            </a:r>
+          </a:p>
+          <a:p>
+            <a:r>
+              <a:rPr lang="fr-FR" sz="800" dirty="0"/>
+              <a:t> double </a:t>
+            </a:r>
+            <a:r>
+              <a:rPr lang="fr-FR" sz="800" dirty="0" err="1"/>
+              <a:t>calculPerimetre</a:t>
+            </a:r>
+            <a:r>
+              <a:rPr lang="fr-FR" sz="800" dirty="0"/>
+              <a:t>()</a:t>
+            </a:r>
+          </a:p>
+        </p:txBody>
+      </p:sp>
+      <p:sp>
+        <p:nvSpPr>
+          <p:cNvPr id="84" name="ZoneTexte 83">
+            <a:extLst>
+              <a:ext uri="{FF2B5EF4-FFF2-40B4-BE49-F238E27FC236}">
+                <a16:creationId xmlns:a16="http://schemas.microsoft.com/office/drawing/2014/main" id="{AB478221-FECB-4BC9-9B9B-56F71351DA79}"/>
+              </a:ext>
+            </a:extLst>
+          </p:cNvPr>
+          <p:cNvSpPr txBox="1"/>
+          <p:nvPr/>
+        </p:nvSpPr>
+        <p:spPr>
+          <a:xfrm>
+            <a:off x="10019677" y="4279075"/>
+            <a:ext cx="2075254" cy="338554"/>
+          </a:xfrm>
+          <a:prstGeom prst="rect">
+            <a:avLst/>
+          </a:prstGeom>
+          <a:solidFill>
+            <a:srgbClr val="FFC000"/>
+          </a:solidFill>
+          <a:ln>
+            <a:solidFill>
+              <a:schemeClr val="tx1"/>
+            </a:solidFill>
+          </a:ln>
+        </p:spPr>
+        <p:txBody>
+          <a:bodyPr wrap="square" rtlCol="0">
+            <a:spAutoFit/>
+          </a:bodyPr>
+          <a:lstStyle/>
+          <a:p>
+            <a:pPr algn="ctr"/>
+            <a:r>
+              <a:rPr lang="fr-FR" sz="800" dirty="0"/>
+              <a:t>Cercle</a:t>
+            </a:r>
+          </a:p>
+          <a:p>
+            <a:r>
+              <a:rPr lang="fr-FR" sz="800" dirty="0" err="1"/>
+              <a:t>Implement</a:t>
+            </a:r>
+            <a:r>
+              <a:rPr lang="fr-FR" sz="800" dirty="0"/>
+              <a:t> </a:t>
+            </a:r>
+            <a:r>
+              <a:rPr lang="fr-FR" sz="800" dirty="0" err="1"/>
+              <a:t>FigureGeometriqueInterface</a:t>
+            </a:r>
+            <a:endParaRPr lang="fr-FR" sz="800" dirty="0"/>
+          </a:p>
+        </p:txBody>
+      </p:sp>
+      <p:sp>
+        <p:nvSpPr>
+          <p:cNvPr id="85" name="ZoneTexte 84">
+            <a:extLst>
+              <a:ext uri="{FF2B5EF4-FFF2-40B4-BE49-F238E27FC236}">
+                <a16:creationId xmlns:a16="http://schemas.microsoft.com/office/drawing/2014/main" id="{B8D2756A-923A-4C5D-ACFC-3000123D309D}"/>
+              </a:ext>
+            </a:extLst>
+          </p:cNvPr>
+          <p:cNvSpPr txBox="1"/>
+          <p:nvPr/>
+        </p:nvSpPr>
+        <p:spPr>
+          <a:xfrm>
+            <a:off x="10031893" y="5017016"/>
+            <a:ext cx="2075255" cy="338554"/>
+          </a:xfrm>
+          <a:prstGeom prst="rect">
+            <a:avLst/>
+          </a:prstGeom>
+          <a:solidFill>
+            <a:srgbClr val="FFC000"/>
+          </a:solidFill>
+          <a:ln>
+            <a:solidFill>
+              <a:schemeClr val="tx1"/>
+            </a:solidFill>
+          </a:ln>
+        </p:spPr>
+        <p:txBody>
+          <a:bodyPr wrap="square" rtlCol="0">
+            <a:spAutoFit/>
+          </a:bodyPr>
+          <a:lstStyle/>
+          <a:p>
+            <a:pPr algn="ctr"/>
+            <a:r>
+              <a:rPr lang="fr-FR" sz="800" dirty="0" err="1"/>
+              <a:t>TriangleRectangle</a:t>
+            </a:r>
+            <a:endParaRPr lang="fr-FR" sz="800" dirty="0"/>
+          </a:p>
+          <a:p>
+            <a:r>
+              <a:rPr lang="fr-FR" sz="800" dirty="0" err="1"/>
+              <a:t>Implement</a:t>
+            </a:r>
+            <a:r>
+              <a:rPr lang="fr-FR" sz="800" dirty="0"/>
+              <a:t> </a:t>
+            </a:r>
+            <a:r>
+              <a:rPr lang="fr-FR" sz="800" dirty="0" err="1"/>
+              <a:t>FigureGeometriqueInterface</a:t>
+            </a:r>
+            <a:endParaRPr lang="fr-FR" sz="800" dirty="0"/>
+          </a:p>
+        </p:txBody>
+      </p:sp>
+      <p:sp>
+        <p:nvSpPr>
+          <p:cNvPr id="86" name="ZoneTexte 85">
+            <a:extLst>
+              <a:ext uri="{FF2B5EF4-FFF2-40B4-BE49-F238E27FC236}">
+                <a16:creationId xmlns:a16="http://schemas.microsoft.com/office/drawing/2014/main" id="{4CCE8EC8-6B5A-4CBF-A817-E81853941EEB}"/>
+              </a:ext>
+            </a:extLst>
+          </p:cNvPr>
+          <p:cNvSpPr txBox="1"/>
+          <p:nvPr/>
+        </p:nvSpPr>
+        <p:spPr>
+          <a:xfrm>
+            <a:off x="8157561" y="108523"/>
+            <a:ext cx="1482580" cy="367286"/>
+          </a:xfrm>
+          <a:prstGeom prst="rect">
+            <a:avLst/>
+          </a:prstGeom>
+          <a:solidFill>
+            <a:srgbClr val="FFC000"/>
+          </a:solidFill>
+        </p:spPr>
+        <p:txBody>
+          <a:bodyPr wrap="square" rtlCol="0">
+            <a:spAutoFit/>
+          </a:bodyPr>
+          <a:lstStyle/>
+          <a:p>
+            <a:r>
+              <a:rPr lang="fr-FR" dirty="0"/>
+              <a:t>Model</a:t>
+            </a:r>
+          </a:p>
+        </p:txBody>
+      </p:sp>
+      <p:sp>
+        <p:nvSpPr>
+          <p:cNvPr id="89" name="ZoneTexte 88">
+            <a:extLst>
+              <a:ext uri="{FF2B5EF4-FFF2-40B4-BE49-F238E27FC236}">
+                <a16:creationId xmlns:a16="http://schemas.microsoft.com/office/drawing/2014/main" id="{8ADFE3AD-2DF5-495F-A356-735F4B60B202}"/>
+              </a:ext>
+            </a:extLst>
+          </p:cNvPr>
+          <p:cNvSpPr txBox="1"/>
+          <p:nvPr/>
+        </p:nvSpPr>
+        <p:spPr>
+          <a:xfrm>
+            <a:off x="159046" y="4602650"/>
+            <a:ext cx="274110" cy="369332"/>
+          </a:xfrm>
+          <a:prstGeom prst="rect">
+            <a:avLst/>
+          </a:prstGeom>
+          <a:noFill/>
+        </p:spPr>
+        <p:txBody>
+          <a:bodyPr wrap="square" rtlCol="0">
+            <a:spAutoFit/>
+          </a:bodyPr>
+          <a:lstStyle/>
+          <a:p>
+            <a:r>
+              <a:rPr lang="fr-FR" dirty="0"/>
+              <a:t>4</a:t>
+            </a:r>
+          </a:p>
+        </p:txBody>
+      </p:sp>
+      <p:sp>
+        <p:nvSpPr>
+          <p:cNvPr id="90" name="ZoneTexte 89">
+            <a:extLst>
+              <a:ext uri="{FF2B5EF4-FFF2-40B4-BE49-F238E27FC236}">
+                <a16:creationId xmlns:a16="http://schemas.microsoft.com/office/drawing/2014/main" id="{A0C3DA6C-61E6-4CF9-9E48-F73A656E9B26}"/>
+              </a:ext>
+            </a:extLst>
+          </p:cNvPr>
+          <p:cNvSpPr txBox="1"/>
+          <p:nvPr/>
+        </p:nvSpPr>
+        <p:spPr>
+          <a:xfrm>
+            <a:off x="159046" y="5874251"/>
+            <a:ext cx="274110" cy="369332"/>
+          </a:xfrm>
+          <a:prstGeom prst="rect">
+            <a:avLst/>
+          </a:prstGeom>
+          <a:noFill/>
+        </p:spPr>
+        <p:txBody>
+          <a:bodyPr wrap="square" rtlCol="0">
+            <a:spAutoFit/>
+          </a:bodyPr>
+          <a:lstStyle/>
+          <a:p>
+            <a:r>
+              <a:rPr lang="fr-FR" dirty="0"/>
+              <a:t>5</a:t>
+            </a:r>
+          </a:p>
+        </p:txBody>
+      </p:sp>
+      <p:cxnSp>
+        <p:nvCxnSpPr>
+          <p:cNvPr id="91" name="Connecteur droit avec flèche 90">
+            <a:extLst>
+              <a:ext uri="{FF2B5EF4-FFF2-40B4-BE49-F238E27FC236}">
+                <a16:creationId xmlns:a16="http://schemas.microsoft.com/office/drawing/2014/main" id="{95DAEFB1-46B0-452D-A739-875A424D209D}"/>
+              </a:ext>
+            </a:extLst>
+          </p:cNvPr>
+          <p:cNvCxnSpPr>
+            <a:cxnSpLocks/>
+          </p:cNvCxnSpPr>
+          <p:nvPr/>
+        </p:nvCxnSpPr>
+        <p:spPr>
+          <a:xfrm>
+            <a:off x="2373805" y="4568120"/>
+            <a:ext cx="198367" cy="7173"/>
+          </a:xfrm>
+          <a:prstGeom prst="straightConnector1">
+            <a:avLst/>
+          </a:prstGeom>
+          <a:ln>
+            <a:solidFill>
+              <a:schemeClr val="accent5"/>
+            </a:solidFill>
+            <a:tailEnd type="triangle"/>
+          </a:ln>
+        </p:spPr>
+        <p:style>
+          <a:lnRef idx="1">
+            <a:schemeClr val="accent1"/>
+          </a:lnRef>
+          <a:fillRef idx="0">
+            <a:schemeClr val="accent1"/>
+          </a:fillRef>
+          <a:effectRef idx="0">
+            <a:schemeClr val="accent1"/>
+          </a:effectRef>
+          <a:fontRef idx="minor">
+            <a:schemeClr val="tx1"/>
+          </a:fontRef>
+        </p:style>
+      </p:cxnSp>
+    </p:spTree>
+    <p:extLst>
+      <p:ext uri="{BB962C8B-B14F-4D97-AF65-F5344CB8AC3E}">
+        <p14:creationId xmlns:p14="http://schemas.microsoft.com/office/powerpoint/2010/main" val="782938715"/>
       </p:ext>
     </p:extLst>
   </p:cSld>

--- a/cours/Exercice Geometrie/Exercice Geometrie.pptx
+++ b/cours/Exercice Geometrie/Exercice Geometrie.pptx
@@ -835,7 +835,7 @@
           <a:p>
             <a:fld id="{A216A33E-05C9-4B27-97C3-A48251CD706C}" type="datetimeFigureOut">
               <a:rPr lang="fr-FR" smtClean="0"/>
-              <a:t>12/03/2022</a:t>
+              <a:t>15/03/2022</a:t>
             </a:fld>
             <a:endParaRPr lang="fr-FR"/>
           </a:p>
@@ -1086,7 +1086,7 @@
           <a:p>
             <a:fld id="{A216A33E-05C9-4B27-97C3-A48251CD706C}" type="datetimeFigureOut">
               <a:rPr lang="fr-FR" smtClean="0"/>
-              <a:t>12/03/2022</a:t>
+              <a:t>15/03/2022</a:t>
             </a:fld>
             <a:endParaRPr lang="fr-FR"/>
           </a:p>
@@ -1400,7 +1400,7 @@
           <a:p>
             <a:fld id="{A216A33E-05C9-4B27-97C3-A48251CD706C}" type="datetimeFigureOut">
               <a:rPr lang="fr-FR" smtClean="0"/>
-              <a:t>12/03/2022</a:t>
+              <a:t>15/03/2022</a:t>
             </a:fld>
             <a:endParaRPr lang="fr-FR"/>
           </a:p>
@@ -1741,7 +1741,7 @@
           <a:p>
             <a:fld id="{A216A33E-05C9-4B27-97C3-A48251CD706C}" type="datetimeFigureOut">
               <a:rPr lang="fr-FR" smtClean="0"/>
-              <a:t>12/03/2022</a:t>
+              <a:t>15/03/2022</a:t>
             </a:fld>
             <a:endParaRPr lang="fr-FR"/>
           </a:p>
@@ -2055,7 +2055,7 @@
           <a:p>
             <a:fld id="{A216A33E-05C9-4B27-97C3-A48251CD706C}" type="datetimeFigureOut">
               <a:rPr lang="fr-FR" smtClean="0"/>
-              <a:t>12/03/2022</a:t>
+              <a:t>15/03/2022</a:t>
             </a:fld>
             <a:endParaRPr lang="fr-FR"/>
           </a:p>
@@ -2448,7 +2448,7 @@
           <a:p>
             <a:fld id="{A216A33E-05C9-4B27-97C3-A48251CD706C}" type="datetimeFigureOut">
               <a:rPr lang="fr-FR" smtClean="0"/>
-              <a:t>12/03/2022</a:t>
+              <a:t>15/03/2022</a:t>
             </a:fld>
             <a:endParaRPr lang="fr-FR"/>
           </a:p>
@@ -2618,7 +2618,7 @@
           <a:p>
             <a:fld id="{A216A33E-05C9-4B27-97C3-A48251CD706C}" type="datetimeFigureOut">
               <a:rPr lang="fr-FR" smtClean="0"/>
-              <a:t>12/03/2022</a:t>
+              <a:t>15/03/2022</a:t>
             </a:fld>
             <a:endParaRPr lang="fr-FR"/>
           </a:p>
@@ -2798,7 +2798,7 @@
           <a:p>
             <a:fld id="{A216A33E-05C9-4B27-97C3-A48251CD706C}" type="datetimeFigureOut">
               <a:rPr lang="fr-FR" smtClean="0"/>
-              <a:t>12/03/2022</a:t>
+              <a:t>15/03/2022</a:t>
             </a:fld>
             <a:endParaRPr lang="fr-FR"/>
           </a:p>
@@ -2974,7 +2974,7 @@
           <a:p>
             <a:fld id="{A216A33E-05C9-4B27-97C3-A48251CD706C}" type="datetimeFigureOut">
               <a:rPr lang="fr-FR" smtClean="0"/>
-              <a:t>12/03/2022</a:t>
+              <a:t>15/03/2022</a:t>
             </a:fld>
             <a:endParaRPr lang="fr-FR"/>
           </a:p>
@@ -3221,7 +3221,7 @@
           <a:p>
             <a:fld id="{A216A33E-05C9-4B27-97C3-A48251CD706C}" type="datetimeFigureOut">
               <a:rPr lang="fr-FR" smtClean="0"/>
-              <a:t>12/03/2022</a:t>
+              <a:t>15/03/2022</a:t>
             </a:fld>
             <a:endParaRPr lang="fr-FR"/>
           </a:p>
@@ -3453,7 +3453,7 @@
           <a:p>
             <a:fld id="{A216A33E-05C9-4B27-97C3-A48251CD706C}" type="datetimeFigureOut">
               <a:rPr lang="fr-FR" smtClean="0"/>
-              <a:t>12/03/2022</a:t>
+              <a:t>15/03/2022</a:t>
             </a:fld>
             <a:endParaRPr lang="fr-FR"/>
           </a:p>
@@ -3827,7 +3827,7 @@
           <a:p>
             <a:fld id="{A216A33E-05C9-4B27-97C3-A48251CD706C}" type="datetimeFigureOut">
               <a:rPr lang="fr-FR" smtClean="0"/>
-              <a:t>12/03/2022</a:t>
+              <a:t>15/03/2022</a:t>
             </a:fld>
             <a:endParaRPr lang="fr-FR"/>
           </a:p>
@@ -3950,7 +3950,7 @@
           <a:p>
             <a:fld id="{A216A33E-05C9-4B27-97C3-A48251CD706C}" type="datetimeFigureOut">
               <a:rPr lang="fr-FR" smtClean="0"/>
-              <a:t>12/03/2022</a:t>
+              <a:t>15/03/2022</a:t>
             </a:fld>
             <a:endParaRPr lang="fr-FR"/>
           </a:p>
@@ -4045,7 +4045,7 @@
           <a:p>
             <a:fld id="{A216A33E-05C9-4B27-97C3-A48251CD706C}" type="datetimeFigureOut">
               <a:rPr lang="fr-FR" smtClean="0"/>
-              <a:t>12/03/2022</a:t>
+              <a:t>15/03/2022</a:t>
             </a:fld>
             <a:endParaRPr lang="fr-FR"/>
           </a:p>
@@ -4300,7 +4300,7 @@
           <a:p>
             <a:fld id="{A216A33E-05C9-4B27-97C3-A48251CD706C}" type="datetimeFigureOut">
               <a:rPr lang="fr-FR" smtClean="0"/>
-              <a:t>12/03/2022</a:t>
+              <a:t>15/03/2022</a:t>
             </a:fld>
             <a:endParaRPr lang="fr-FR"/>
           </a:p>
@@ -4563,7 +4563,7 @@
           <a:p>
             <a:fld id="{A216A33E-05C9-4B27-97C3-A48251CD706C}" type="datetimeFigureOut">
               <a:rPr lang="fr-FR" smtClean="0"/>
-              <a:t>12/03/2022</a:t>
+              <a:t>15/03/2022</a:t>
             </a:fld>
             <a:endParaRPr lang="fr-FR"/>
           </a:p>
@@ -5306,7 +5306,7 @@
           <a:p>
             <a:fld id="{A216A33E-05C9-4B27-97C3-A48251CD706C}" type="datetimeFigureOut">
               <a:rPr lang="fr-FR" smtClean="0"/>
-              <a:t>12/03/2022</a:t>
+              <a:t>15/03/2022</a:t>
             </a:fld>
             <a:endParaRPr lang="fr-FR"/>
           </a:p>
@@ -6874,55 +6874,6 @@
           <a:xfrm>
             <a:off x="103577" y="108523"/>
             <a:ext cx="2205605" cy="6292041"/>
-          </a:xfrm>
-          <a:prstGeom prst="rect">
-            <a:avLst/>
-          </a:prstGeom>
-          <a:ln>
-            <a:solidFill>
-              <a:schemeClr val="tx1"/>
-            </a:solidFill>
-          </a:ln>
-        </p:spPr>
-        <p:style>
-          <a:lnRef idx="2">
-            <a:schemeClr val="accent6"/>
-          </a:lnRef>
-          <a:fillRef idx="1">
-            <a:schemeClr val="lt1"/>
-          </a:fillRef>
-          <a:effectRef idx="0">
-            <a:schemeClr val="accent6"/>
-          </a:effectRef>
-          <a:fontRef idx="minor">
-            <a:schemeClr val="dk1"/>
-          </a:fontRef>
-        </p:style>
-        <p:txBody>
-          <a:bodyPr rtlCol="0" anchor="ctr"/>
-          <a:lstStyle/>
-          <a:p>
-            <a:pPr algn="ctr"/>
-            <a:endParaRPr lang="fr-FR"/>
-          </a:p>
-        </p:txBody>
-      </p:sp>
-      <p:sp>
-        <p:nvSpPr>
-          <p:cNvPr id="87" name="Rectangle 86">
-            <a:extLst>
-              <a:ext uri="{FF2B5EF4-FFF2-40B4-BE49-F238E27FC236}">
-                <a16:creationId xmlns:a16="http://schemas.microsoft.com/office/drawing/2014/main" id="{EC70AE3C-EE73-4DC8-946D-04C37EC737BF}"/>
-              </a:ext>
-            </a:extLst>
-          </p:cNvPr>
-          <p:cNvSpPr/>
-          <p:nvPr/>
-        </p:nvSpPr>
-        <p:spPr>
-          <a:xfrm>
-            <a:off x="4833785" y="1981834"/>
-            <a:ext cx="5077393" cy="1851692"/>
           </a:xfrm>
           <a:prstGeom prst="rect">
             <a:avLst/>
@@ -7529,7 +7480,7 @@
         <p:spPr>
           <a:xfrm>
             <a:off x="4842016" y="476514"/>
-            <a:ext cx="2671968" cy="400110"/>
+            <a:ext cx="2671968" cy="1323439"/>
           </a:xfrm>
           <a:prstGeom prst="rect">
             <a:avLst/>
@@ -7549,70 +7500,44 @@
           </a:bodyPr>
           <a:lstStyle/>
           <a:p>
-            <a:r>
-              <a:rPr lang="fr-FR" sz="1000" dirty="0" err="1"/>
-              <a:t>askOperationForm</a:t>
-            </a:r>
+            <a:pPr algn="ctr"/>
             <a:r>
               <a:rPr lang="fr-FR" sz="1000" dirty="0"/>
-              <a:t> (surface, </a:t>
-            </a:r>
-            <a:r>
-              <a:rPr lang="fr-FR" sz="1000" dirty="0" err="1"/>
-              <a:t>périmetre</a:t>
-            </a:r>
+              <a:t>Index.html</a:t>
+            </a:r>
+          </a:p>
+          <a:p>
+            <a:endParaRPr lang="fr-FR" sz="1000" dirty="0"/>
+          </a:p>
+          <a:p>
             <a:r>
               <a:rPr lang="fr-FR" sz="1000" dirty="0"/>
-              <a:t>, …)</a:t>
+              <a:t>Opération ? (cases à cocher)</a:t>
             </a:r>
           </a:p>
           <a:p>
             <a:endParaRPr lang="fr-FR" sz="1000" dirty="0"/>
           </a:p>
-        </p:txBody>
-      </p:sp>
-      <p:cxnSp>
-        <p:nvCxnSpPr>
-          <p:cNvPr id="7" name="Connecteur droit avec flèche 6">
-            <a:extLst>
-              <a:ext uri="{FF2B5EF4-FFF2-40B4-BE49-F238E27FC236}">
-                <a16:creationId xmlns:a16="http://schemas.microsoft.com/office/drawing/2014/main" id="{D72A90ED-D737-4352-AC54-6F3D5E1B1B0F}"/>
-              </a:ext>
-            </a:extLst>
-          </p:cNvPr>
-          <p:cNvCxnSpPr/>
-          <p:nvPr/>
-        </p:nvCxnSpPr>
-        <p:spPr>
-          <a:xfrm>
-            <a:off x="2435088" y="555233"/>
-            <a:ext cx="2286000" cy="0"/>
-          </a:xfrm>
-          <a:prstGeom prst="straightConnector1">
-            <a:avLst/>
-          </a:prstGeom>
-          <a:ln>
-            <a:solidFill>
-              <a:schemeClr val="accent5"/>
-            </a:solidFill>
-            <a:tailEnd type="triangle"/>
-          </a:ln>
-        </p:spPr>
-        <p:style>
-          <a:lnRef idx="1">
-            <a:schemeClr val="accent1"/>
-          </a:lnRef>
-          <a:fillRef idx="0">
-            <a:schemeClr val="accent1"/>
-          </a:fillRef>
-          <a:effectRef idx="0">
-            <a:schemeClr val="accent1"/>
-          </a:effectRef>
-          <a:fontRef idx="minor">
-            <a:schemeClr val="tx1"/>
-          </a:fontRef>
-        </p:style>
-      </p:cxnSp>
+          <a:p>
+            <a:r>
+              <a:rPr lang="fr-FR" sz="1000" dirty="0"/>
+              <a:t>Figure ? (cases à cocher)</a:t>
+            </a:r>
+          </a:p>
+          <a:p>
+            <a:endParaRPr lang="fr-FR" sz="1000" dirty="0"/>
+          </a:p>
+          <a:p>
+            <a:r>
+              <a:rPr lang="fr-FR" sz="1000" dirty="0"/>
+              <a:t>Longueur :              Largeur : </a:t>
+            </a:r>
+          </a:p>
+          <a:p>
+            <a:endParaRPr lang="fr-FR" sz="1000" dirty="0"/>
+          </a:p>
+        </p:txBody>
+      </p:sp>
       <p:sp>
         <p:nvSpPr>
           <p:cNvPr id="16" name="ZoneTexte 15">
@@ -7665,148 +7590,6 @@
       </p:sp>
       <p:cxnSp>
         <p:nvCxnSpPr>
-          <p:cNvPr id="15" name="Connecteur droit avec flèche 14">
-            <a:extLst>
-              <a:ext uri="{FF2B5EF4-FFF2-40B4-BE49-F238E27FC236}">
-                <a16:creationId xmlns:a16="http://schemas.microsoft.com/office/drawing/2014/main" id="{E685E6F1-B9AC-49EA-9043-9845A7327B09}"/>
-              </a:ext>
-            </a:extLst>
-          </p:cNvPr>
-          <p:cNvCxnSpPr>
-            <a:cxnSpLocks/>
-          </p:cNvCxnSpPr>
-          <p:nvPr/>
-        </p:nvCxnSpPr>
-        <p:spPr>
-          <a:xfrm flipH="1">
-            <a:off x="2435088" y="737979"/>
-            <a:ext cx="2286000" cy="0"/>
-          </a:xfrm>
-          <a:prstGeom prst="straightConnector1">
-            <a:avLst/>
-          </a:prstGeom>
-          <a:ln>
-            <a:tailEnd type="triangle"/>
-          </a:ln>
-        </p:spPr>
-        <p:style>
-          <a:lnRef idx="1">
-            <a:schemeClr val="accent1"/>
-          </a:lnRef>
-          <a:fillRef idx="0">
-            <a:schemeClr val="accent1"/>
-          </a:fillRef>
-          <a:effectRef idx="0">
-            <a:schemeClr val="accent1"/>
-          </a:effectRef>
-          <a:fontRef idx="minor">
-            <a:schemeClr val="tx1"/>
-          </a:fontRef>
-        </p:style>
-      </p:cxnSp>
-      <p:sp>
-        <p:nvSpPr>
-          <p:cNvPr id="17" name="ZoneTexte 16">
-            <a:extLst>
-              <a:ext uri="{FF2B5EF4-FFF2-40B4-BE49-F238E27FC236}">
-                <a16:creationId xmlns:a16="http://schemas.microsoft.com/office/drawing/2014/main" id="{6F3E3CE4-2569-4822-86C5-AA7650667963}"/>
-              </a:ext>
-            </a:extLst>
-          </p:cNvPr>
-          <p:cNvSpPr txBox="1"/>
-          <p:nvPr/>
-        </p:nvSpPr>
-        <p:spPr>
-          <a:xfrm>
-            <a:off x="3144915" y="718366"/>
-            <a:ext cx="1282148" cy="246221"/>
-          </a:xfrm>
-          <a:prstGeom prst="rect">
-            <a:avLst/>
-          </a:prstGeom>
-          <a:noFill/>
-        </p:spPr>
-        <p:txBody>
-          <a:bodyPr wrap="square" rtlCol="0">
-            <a:spAutoFit/>
-          </a:bodyPr>
-          <a:lstStyle/>
-          <a:p>
-            <a:r>
-              <a:rPr lang="fr-FR" sz="1000" dirty="0" err="1">
-                <a:solidFill>
-                  <a:schemeClr val="accent2"/>
-                </a:solidFill>
-              </a:rPr>
-              <a:t>operation</a:t>
-            </a:r>
-            <a:endParaRPr lang="fr-FR" sz="1000" dirty="0">
-              <a:solidFill>
-                <a:schemeClr val="accent2"/>
-              </a:solidFill>
-            </a:endParaRPr>
-          </a:p>
-        </p:txBody>
-      </p:sp>
-      <p:sp>
-        <p:nvSpPr>
-          <p:cNvPr id="18" name="ZoneTexte 17">
-            <a:extLst>
-              <a:ext uri="{FF2B5EF4-FFF2-40B4-BE49-F238E27FC236}">
-                <a16:creationId xmlns:a16="http://schemas.microsoft.com/office/drawing/2014/main" id="{0499D3ED-5A40-4234-881D-C69E16E2208A}"/>
-              </a:ext>
-            </a:extLst>
-          </p:cNvPr>
-          <p:cNvSpPr txBox="1"/>
-          <p:nvPr/>
-        </p:nvSpPr>
-        <p:spPr>
-          <a:xfrm>
-            <a:off x="4842016" y="1410790"/>
-            <a:ext cx="1757566" cy="400110"/>
-          </a:xfrm>
-          <a:prstGeom prst="rect">
-            <a:avLst/>
-          </a:prstGeom>
-          <a:solidFill>
-            <a:srgbClr val="0070C0"/>
-          </a:solidFill>
-          <a:ln>
-            <a:solidFill>
-              <a:schemeClr val="tx1"/>
-            </a:solidFill>
-          </a:ln>
-        </p:spPr>
-        <p:txBody>
-          <a:bodyPr wrap="square" rtlCol="0">
-            <a:spAutoFit/>
-          </a:bodyPr>
-          <a:lstStyle/>
-          <a:p>
-            <a:r>
-              <a:rPr lang="fr-FR" sz="1000" dirty="0" err="1"/>
-              <a:t>askColorForm</a:t>
-            </a:r>
-            <a:r>
-              <a:rPr lang="fr-FR" sz="1000" dirty="0"/>
-              <a:t> (O/N, </a:t>
-            </a:r>
-            <a:r>
-              <a:rPr lang="fr-FR" sz="1000" dirty="0" err="1"/>
-              <a:t>color</a:t>
-            </a:r>
-            <a:r>
-              <a:rPr lang="fr-FR" sz="1000" dirty="0"/>
-              <a:t>)</a:t>
-            </a:r>
-          </a:p>
-          <a:p>
-            <a:endParaRPr lang="fr-FR" sz="1000" dirty="0"/>
-          </a:p>
-        </p:txBody>
-      </p:sp>
-      <p:cxnSp>
-        <p:nvCxnSpPr>
           <p:cNvPr id="26" name="Connecteur droit avec flèche 25">
             <a:extLst>
               <a:ext uri="{FF2B5EF4-FFF2-40B4-BE49-F238E27FC236}">
@@ -7821,7 +7604,7 @@
         </p:nvCxnSpPr>
         <p:spPr>
           <a:xfrm flipH="1">
-            <a:off x="2435088" y="1731387"/>
+            <a:off x="2373805" y="1154917"/>
             <a:ext cx="2315817" cy="0"/>
           </a:xfrm>
           <a:prstGeom prst="straightConnector1">
@@ -7848,149 +7631,6 @@
       </p:cxnSp>
       <p:sp>
         <p:nvSpPr>
-          <p:cNvPr id="24" name="ZoneTexte 23">
-            <a:extLst>
-              <a:ext uri="{FF2B5EF4-FFF2-40B4-BE49-F238E27FC236}">
-                <a16:creationId xmlns:a16="http://schemas.microsoft.com/office/drawing/2014/main" id="{4B0D56B0-885E-4BBF-B50C-BFAC9342FC68}"/>
-              </a:ext>
-            </a:extLst>
-          </p:cNvPr>
-          <p:cNvSpPr txBox="1"/>
-          <p:nvPr/>
-        </p:nvSpPr>
-        <p:spPr>
-          <a:xfrm>
-            <a:off x="3056276" y="1813544"/>
-            <a:ext cx="1282148" cy="246221"/>
-          </a:xfrm>
-          <a:prstGeom prst="rect">
-            <a:avLst/>
-          </a:prstGeom>
-          <a:noFill/>
-        </p:spPr>
-        <p:txBody>
-          <a:bodyPr wrap="square" rtlCol="0">
-            <a:spAutoFit/>
-          </a:bodyPr>
-          <a:lstStyle/>
-          <a:p>
-            <a:r>
-              <a:rPr lang="fr-FR" sz="1000" dirty="0">
-                <a:solidFill>
-                  <a:schemeClr val="accent2"/>
-                </a:solidFill>
-              </a:rPr>
-              <a:t>O ou N, </a:t>
-            </a:r>
-            <a:r>
-              <a:rPr lang="fr-FR" sz="1000" dirty="0" err="1">
-                <a:solidFill>
-                  <a:schemeClr val="accent2"/>
-                </a:solidFill>
-              </a:rPr>
-              <a:t>color</a:t>
-            </a:r>
-            <a:endParaRPr lang="fr-FR" sz="1000" dirty="0">
-              <a:solidFill>
-                <a:schemeClr val="accent2"/>
-              </a:solidFill>
-            </a:endParaRPr>
-          </a:p>
-        </p:txBody>
-      </p:sp>
-      <p:cxnSp>
-        <p:nvCxnSpPr>
-          <p:cNvPr id="27" name="Connecteur droit avec flèche 26">
-            <a:extLst>
-              <a:ext uri="{FF2B5EF4-FFF2-40B4-BE49-F238E27FC236}">
-                <a16:creationId xmlns:a16="http://schemas.microsoft.com/office/drawing/2014/main" id="{D9B38E91-55D6-4DF8-A537-18B6BED8953C}"/>
-              </a:ext>
-            </a:extLst>
-          </p:cNvPr>
-          <p:cNvCxnSpPr/>
-          <p:nvPr/>
-        </p:nvCxnSpPr>
-        <p:spPr>
-          <a:xfrm>
-            <a:off x="2464905" y="1522378"/>
-            <a:ext cx="2286000" cy="0"/>
-          </a:xfrm>
-          <a:prstGeom prst="straightConnector1">
-            <a:avLst/>
-          </a:prstGeom>
-          <a:ln>
-            <a:solidFill>
-              <a:schemeClr val="accent5"/>
-            </a:solidFill>
-            <a:tailEnd type="triangle"/>
-          </a:ln>
-        </p:spPr>
-        <p:style>
-          <a:lnRef idx="1">
-            <a:schemeClr val="accent1"/>
-          </a:lnRef>
-          <a:fillRef idx="0">
-            <a:schemeClr val="accent1"/>
-          </a:fillRef>
-          <a:effectRef idx="0">
-            <a:schemeClr val="accent1"/>
-          </a:effectRef>
-          <a:fontRef idx="minor">
-            <a:schemeClr val="tx1"/>
-          </a:fontRef>
-        </p:style>
-      </p:cxnSp>
-      <p:sp>
-        <p:nvSpPr>
-          <p:cNvPr id="41" name="ZoneTexte 40">
-            <a:extLst>
-              <a:ext uri="{FF2B5EF4-FFF2-40B4-BE49-F238E27FC236}">
-                <a16:creationId xmlns:a16="http://schemas.microsoft.com/office/drawing/2014/main" id="{29613488-D14A-4705-A747-6F971E048408}"/>
-              </a:ext>
-            </a:extLst>
-          </p:cNvPr>
-          <p:cNvSpPr txBox="1"/>
-          <p:nvPr/>
-        </p:nvSpPr>
-        <p:spPr>
-          <a:xfrm>
-            <a:off x="4942617" y="2883665"/>
-            <a:ext cx="1101592" cy="400110"/>
-          </a:xfrm>
-          <a:prstGeom prst="rect">
-            <a:avLst/>
-          </a:prstGeom>
-          <a:solidFill>
-            <a:srgbClr val="0070C0"/>
-          </a:solidFill>
-          <a:ln>
-            <a:solidFill>
-              <a:schemeClr val="tx1"/>
-            </a:solidFill>
-          </a:ln>
-        </p:spPr>
-        <p:txBody>
-          <a:bodyPr wrap="square" rtlCol="0">
-            <a:spAutoFit/>
-          </a:bodyPr>
-          <a:lstStyle/>
-          <a:p>
-            <a:r>
-              <a:rPr lang="fr-FR" sz="1000" dirty="0" err="1"/>
-              <a:t>askValeurForm</a:t>
-            </a:r>
-            <a:endParaRPr lang="fr-FR" sz="1000" dirty="0"/>
-          </a:p>
-          <a:p>
-            <a:r>
-              <a:rPr lang="fr-FR" sz="1000" dirty="0"/>
-              <a:t> </a:t>
-            </a:r>
-          </a:p>
-        </p:txBody>
-      </p:sp>
-      <p:sp>
-        <p:nvSpPr>
           <p:cNvPr id="42" name="ZoneTexte 41">
             <a:extLst>
               <a:ext uri="{FF2B5EF4-FFF2-40B4-BE49-F238E27FC236}">
@@ -8073,399 +7713,6 @@
           </a:p>
         </p:txBody>
       </p:sp>
-      <p:cxnSp>
-        <p:nvCxnSpPr>
-          <p:cNvPr id="50" name="Connecteur droit avec flèche 49">
-            <a:extLst>
-              <a:ext uri="{FF2B5EF4-FFF2-40B4-BE49-F238E27FC236}">
-                <a16:creationId xmlns:a16="http://schemas.microsoft.com/office/drawing/2014/main" id="{DC69A9F3-8B92-498E-8239-107EA7712CF1}"/>
-              </a:ext>
-            </a:extLst>
-          </p:cNvPr>
-          <p:cNvCxnSpPr>
-            <a:cxnSpLocks/>
-          </p:cNvCxnSpPr>
-          <p:nvPr/>
-        </p:nvCxnSpPr>
-        <p:spPr>
-          <a:xfrm flipH="1">
-            <a:off x="2464905" y="3195481"/>
-            <a:ext cx="2256183" cy="0"/>
-          </a:xfrm>
-          <a:prstGeom prst="straightConnector1">
-            <a:avLst/>
-          </a:prstGeom>
-          <a:ln>
-            <a:tailEnd type="triangle"/>
-          </a:ln>
-        </p:spPr>
-        <p:style>
-          <a:lnRef idx="1">
-            <a:schemeClr val="accent1"/>
-          </a:lnRef>
-          <a:fillRef idx="0">
-            <a:schemeClr val="accent1"/>
-          </a:fillRef>
-          <a:effectRef idx="0">
-            <a:schemeClr val="accent1"/>
-          </a:effectRef>
-          <a:fontRef idx="minor">
-            <a:schemeClr val="tx1"/>
-          </a:fontRef>
-        </p:style>
-      </p:cxnSp>
-      <p:sp>
-        <p:nvSpPr>
-          <p:cNvPr id="48" name="ZoneTexte 47">
-            <a:extLst>
-              <a:ext uri="{FF2B5EF4-FFF2-40B4-BE49-F238E27FC236}">
-                <a16:creationId xmlns:a16="http://schemas.microsoft.com/office/drawing/2014/main" id="{D4A20405-9F9F-4AE4-B47F-0C85A513D918}"/>
-              </a:ext>
-            </a:extLst>
-          </p:cNvPr>
-          <p:cNvSpPr txBox="1"/>
-          <p:nvPr/>
-        </p:nvSpPr>
-        <p:spPr>
-          <a:xfrm>
-            <a:off x="3171006" y="3263972"/>
-            <a:ext cx="1282148" cy="246221"/>
-          </a:xfrm>
-          <a:prstGeom prst="rect">
-            <a:avLst/>
-          </a:prstGeom>
-          <a:noFill/>
-        </p:spPr>
-        <p:txBody>
-          <a:bodyPr wrap="square" rtlCol="0">
-            <a:spAutoFit/>
-          </a:bodyPr>
-          <a:lstStyle/>
-          <a:p>
-            <a:r>
-              <a:rPr lang="fr-FR" sz="1000" dirty="0">
-                <a:solidFill>
-                  <a:schemeClr val="accent2"/>
-                </a:solidFill>
-              </a:rPr>
-              <a:t>valeur</a:t>
-            </a:r>
-          </a:p>
-        </p:txBody>
-      </p:sp>
-      <p:cxnSp>
-        <p:nvCxnSpPr>
-          <p:cNvPr id="51" name="Connecteur droit avec flèche 50">
-            <a:extLst>
-              <a:ext uri="{FF2B5EF4-FFF2-40B4-BE49-F238E27FC236}">
-                <a16:creationId xmlns:a16="http://schemas.microsoft.com/office/drawing/2014/main" id="{3812E352-8CEC-4EC8-AAAE-0788EB069904}"/>
-              </a:ext>
-            </a:extLst>
-          </p:cNvPr>
-          <p:cNvCxnSpPr/>
-          <p:nvPr/>
-        </p:nvCxnSpPr>
-        <p:spPr>
-          <a:xfrm>
-            <a:off x="2464905" y="2997732"/>
-            <a:ext cx="2286000" cy="0"/>
-          </a:xfrm>
-          <a:prstGeom prst="straightConnector1">
-            <a:avLst/>
-          </a:prstGeom>
-          <a:ln>
-            <a:solidFill>
-              <a:schemeClr val="accent5"/>
-            </a:solidFill>
-            <a:tailEnd type="triangle"/>
-          </a:ln>
-        </p:spPr>
-        <p:style>
-          <a:lnRef idx="1">
-            <a:schemeClr val="accent1"/>
-          </a:lnRef>
-          <a:fillRef idx="0">
-            <a:schemeClr val="accent1"/>
-          </a:fillRef>
-          <a:effectRef idx="0">
-            <a:schemeClr val="accent1"/>
-          </a:effectRef>
-          <a:fontRef idx="minor">
-            <a:schemeClr val="tx1"/>
-          </a:fontRef>
-        </p:style>
-      </p:cxnSp>
-      <p:sp>
-        <p:nvSpPr>
-          <p:cNvPr id="52" name="ZoneTexte 51">
-            <a:extLst>
-              <a:ext uri="{FF2B5EF4-FFF2-40B4-BE49-F238E27FC236}">
-                <a16:creationId xmlns:a16="http://schemas.microsoft.com/office/drawing/2014/main" id="{D0818689-1218-4EA4-BCE7-7BE73FF79242}"/>
-              </a:ext>
-            </a:extLst>
-          </p:cNvPr>
-          <p:cNvSpPr txBox="1"/>
-          <p:nvPr/>
-        </p:nvSpPr>
-        <p:spPr>
-          <a:xfrm>
-            <a:off x="2648797" y="2690780"/>
-            <a:ext cx="1984154" cy="246221"/>
-          </a:xfrm>
-          <a:prstGeom prst="rect">
-            <a:avLst/>
-          </a:prstGeom>
-          <a:noFill/>
-        </p:spPr>
-        <p:txBody>
-          <a:bodyPr wrap="square" rtlCol="0">
-            <a:spAutoFit/>
-          </a:bodyPr>
-          <a:lstStyle/>
-          <a:p>
-            <a:r>
-              <a:rPr lang="fr-FR" sz="1000" dirty="0">
-                <a:solidFill>
-                  <a:schemeClr val="accent5"/>
-                </a:solidFill>
-              </a:rPr>
-              <a:t>Texte (longueur, hauteur …)</a:t>
-            </a:r>
-          </a:p>
-        </p:txBody>
-      </p:sp>
-      <p:grpSp>
-        <p:nvGrpSpPr>
-          <p:cNvPr id="55" name="Groupe 54">
-            <a:extLst>
-              <a:ext uri="{FF2B5EF4-FFF2-40B4-BE49-F238E27FC236}">
-                <a16:creationId xmlns:a16="http://schemas.microsoft.com/office/drawing/2014/main" id="{50FE9C4E-E560-4AE3-833B-1402FA6E4381}"/>
-              </a:ext>
-            </a:extLst>
-          </p:cNvPr>
-          <p:cNvGrpSpPr/>
-          <p:nvPr/>
-        </p:nvGrpSpPr>
-        <p:grpSpPr>
-          <a:xfrm>
-            <a:off x="6147792" y="2051110"/>
-            <a:ext cx="3683267" cy="1744907"/>
-            <a:chOff x="7130506" y="2808023"/>
-            <a:chExt cx="3683267" cy="1744907"/>
-          </a:xfrm>
-          <a:solidFill>
-            <a:srgbClr val="0070C0"/>
-          </a:solidFill>
-        </p:grpSpPr>
-        <p:grpSp>
-          <p:nvGrpSpPr>
-            <p:cNvPr id="53" name="Groupe 52">
-              <a:extLst>
-                <a:ext uri="{FF2B5EF4-FFF2-40B4-BE49-F238E27FC236}">
-                  <a16:creationId xmlns:a16="http://schemas.microsoft.com/office/drawing/2014/main" id="{7A6193EA-DE6D-4D5F-B2E8-1E241A679DF0}"/>
-                </a:ext>
-              </a:extLst>
-            </p:cNvPr>
-            <p:cNvGrpSpPr/>
-            <p:nvPr/>
-          </p:nvGrpSpPr>
-          <p:grpSpPr>
-            <a:xfrm>
-              <a:off x="7130506" y="3229491"/>
-              <a:ext cx="3683267" cy="1323439"/>
-              <a:chOff x="7130506" y="3071191"/>
-              <a:chExt cx="3683267" cy="1323439"/>
-            </a:xfrm>
-            <a:grpFill/>
-          </p:grpSpPr>
-          <p:sp>
-            <p:nvSpPr>
-              <p:cNvPr id="43" name="ZoneTexte 42">
-                <a:extLst>
-                  <a:ext uri="{FF2B5EF4-FFF2-40B4-BE49-F238E27FC236}">
-                    <a16:creationId xmlns:a16="http://schemas.microsoft.com/office/drawing/2014/main" id="{EA4F470F-F48A-4456-9F10-3C2D0508461F}"/>
-                  </a:ext>
-                </a:extLst>
-              </p:cNvPr>
-              <p:cNvSpPr txBox="1"/>
-              <p:nvPr/>
-            </p:nvSpPr>
-            <p:spPr>
-              <a:xfrm>
-                <a:off x="7130506" y="3071191"/>
-                <a:ext cx="3683267" cy="1323439"/>
-              </a:xfrm>
-              <a:prstGeom prst="rect">
-                <a:avLst/>
-              </a:prstGeom>
-              <a:grpFill/>
-              <a:ln>
-                <a:solidFill>
-                  <a:schemeClr val="tx1"/>
-                </a:solidFill>
-              </a:ln>
-            </p:spPr>
-            <p:txBody>
-              <a:bodyPr wrap="square" rtlCol="0">
-                <a:spAutoFit/>
-              </a:bodyPr>
-              <a:lstStyle/>
-              <a:p>
-                <a:r>
-                  <a:rPr lang="fr-FR" sz="1000" dirty="0"/>
-                  <a:t>Quelle est la &lt;texte&gt; ? (longueur, largeur, hauteur, …)</a:t>
-                </a:r>
-              </a:p>
-              <a:p>
-                <a:endParaRPr lang="fr-FR" sz="1000" dirty="0"/>
-              </a:p>
-              <a:p>
-                <a:endParaRPr lang="fr-FR" sz="1000" dirty="0"/>
-              </a:p>
-              <a:p>
-                <a:endParaRPr lang="fr-FR" sz="1000" dirty="0"/>
-              </a:p>
-              <a:p>
-                <a:endParaRPr lang="fr-FR" sz="1000" dirty="0"/>
-              </a:p>
-              <a:p>
-                <a:endParaRPr lang="fr-FR" sz="1000" dirty="0"/>
-              </a:p>
-              <a:p>
-                <a:endParaRPr lang="fr-FR" sz="1000" dirty="0"/>
-              </a:p>
-              <a:p>
-                <a:endParaRPr lang="fr-FR" sz="1000" dirty="0"/>
-              </a:p>
-            </p:txBody>
-          </p:sp>
-          <p:sp>
-            <p:nvSpPr>
-              <p:cNvPr id="44" name="Rectangle 43">
-                <a:extLst>
-                  <a:ext uri="{FF2B5EF4-FFF2-40B4-BE49-F238E27FC236}">
-                    <a16:creationId xmlns:a16="http://schemas.microsoft.com/office/drawing/2014/main" id="{0EC57FF7-9192-4D48-8299-9B1FD0A0E632}"/>
-                  </a:ext>
-                </a:extLst>
-              </p:cNvPr>
-              <p:cNvSpPr/>
-              <p:nvPr/>
-            </p:nvSpPr>
-            <p:spPr>
-              <a:xfrm>
-                <a:off x="7299473" y="3366311"/>
-                <a:ext cx="477080" cy="258878"/>
-              </a:xfrm>
-              <a:prstGeom prst="rect">
-                <a:avLst/>
-              </a:prstGeom>
-              <a:grpFill/>
-              <a:ln>
-                <a:solidFill>
-                  <a:schemeClr val="tx1"/>
-                </a:solidFill>
-              </a:ln>
-            </p:spPr>
-            <p:style>
-              <a:lnRef idx="2">
-                <a:schemeClr val="accent6"/>
-              </a:lnRef>
-              <a:fillRef idx="1">
-                <a:schemeClr val="lt1"/>
-              </a:fillRef>
-              <a:effectRef idx="0">
-                <a:schemeClr val="accent6"/>
-              </a:effectRef>
-              <a:fontRef idx="minor">
-                <a:schemeClr val="dk1"/>
-              </a:fontRef>
-            </p:style>
-            <p:txBody>
-              <a:bodyPr rtlCol="0" anchor="ctr"/>
-              <a:lstStyle/>
-              <a:p>
-                <a:pPr algn="ctr"/>
-                <a:endParaRPr lang="fr-FR"/>
-              </a:p>
-            </p:txBody>
-          </p:sp>
-          <p:sp>
-            <p:nvSpPr>
-              <p:cNvPr id="45" name="ZoneTexte 44">
-                <a:extLst>
-                  <a:ext uri="{FF2B5EF4-FFF2-40B4-BE49-F238E27FC236}">
-                    <a16:creationId xmlns:a16="http://schemas.microsoft.com/office/drawing/2014/main" id="{6EDC48E7-64CF-4A69-89C7-5CAA95737FD1}"/>
-                  </a:ext>
-                </a:extLst>
-              </p:cNvPr>
-              <p:cNvSpPr txBox="1"/>
-              <p:nvPr/>
-            </p:nvSpPr>
-            <p:spPr>
-              <a:xfrm>
-                <a:off x="7299473" y="3892512"/>
-                <a:ext cx="646046" cy="246221"/>
-              </a:xfrm>
-              <a:prstGeom prst="rect">
-                <a:avLst/>
-              </a:prstGeom>
-              <a:grpFill/>
-              <a:ln>
-                <a:solidFill>
-                  <a:schemeClr val="tx1"/>
-                </a:solidFill>
-              </a:ln>
-            </p:spPr>
-            <p:txBody>
-              <a:bodyPr wrap="square" rtlCol="0">
-                <a:spAutoFit/>
-              </a:bodyPr>
-              <a:lstStyle/>
-              <a:p>
-                <a:r>
-                  <a:rPr lang="fr-FR" sz="1000" dirty="0"/>
-                  <a:t>Valider</a:t>
-                </a:r>
-              </a:p>
-            </p:txBody>
-          </p:sp>
-        </p:grpSp>
-        <p:sp>
-          <p:nvSpPr>
-            <p:cNvPr id="54" name="ZoneTexte 53">
-              <a:extLst>
-                <a:ext uri="{FF2B5EF4-FFF2-40B4-BE49-F238E27FC236}">
-                  <a16:creationId xmlns:a16="http://schemas.microsoft.com/office/drawing/2014/main" id="{B3847153-4389-413E-824A-DC1ADDE11A35}"/>
-                </a:ext>
-              </a:extLst>
-            </p:cNvPr>
-            <p:cNvSpPr txBox="1"/>
-            <p:nvPr/>
-          </p:nvSpPr>
-          <p:spPr>
-            <a:xfrm>
-              <a:off x="8435018" y="2808023"/>
-              <a:ext cx="786846" cy="246221"/>
-            </a:xfrm>
-            <a:prstGeom prst="rect">
-              <a:avLst/>
-            </a:prstGeom>
-            <a:grpFill/>
-          </p:spPr>
-          <p:txBody>
-            <a:bodyPr wrap="square" rtlCol="0">
-              <a:spAutoFit/>
-            </a:bodyPr>
-            <a:lstStyle/>
-            <a:p>
-              <a:r>
-                <a:rPr lang="fr-FR" sz="1000" dirty="0"/>
-                <a:t>Exemple</a:t>
-              </a:r>
-            </a:p>
-          </p:txBody>
-        </p:sp>
-      </p:grpSp>
       <p:sp>
         <p:nvSpPr>
           <p:cNvPr id="56" name="ZoneTexte 55">

--- a/cours/Exercice Geometrie/Exercice Geometrie.pptx
+++ b/cours/Exercice Geometrie/Exercice Geometrie.pptx
@@ -835,7 +835,7 @@
           <a:p>
             <a:fld id="{A216A33E-05C9-4B27-97C3-A48251CD706C}" type="datetimeFigureOut">
               <a:rPr lang="fr-FR" smtClean="0"/>
-              <a:t>15/03/2022</a:t>
+              <a:t>16/03/2022</a:t>
             </a:fld>
             <a:endParaRPr lang="fr-FR"/>
           </a:p>
@@ -1086,7 +1086,7 @@
           <a:p>
             <a:fld id="{A216A33E-05C9-4B27-97C3-A48251CD706C}" type="datetimeFigureOut">
               <a:rPr lang="fr-FR" smtClean="0"/>
-              <a:t>15/03/2022</a:t>
+              <a:t>16/03/2022</a:t>
             </a:fld>
             <a:endParaRPr lang="fr-FR"/>
           </a:p>
@@ -1400,7 +1400,7 @@
           <a:p>
             <a:fld id="{A216A33E-05C9-4B27-97C3-A48251CD706C}" type="datetimeFigureOut">
               <a:rPr lang="fr-FR" smtClean="0"/>
-              <a:t>15/03/2022</a:t>
+              <a:t>16/03/2022</a:t>
             </a:fld>
             <a:endParaRPr lang="fr-FR"/>
           </a:p>
@@ -1741,7 +1741,7 @@
           <a:p>
             <a:fld id="{A216A33E-05C9-4B27-97C3-A48251CD706C}" type="datetimeFigureOut">
               <a:rPr lang="fr-FR" smtClean="0"/>
-              <a:t>15/03/2022</a:t>
+              <a:t>16/03/2022</a:t>
             </a:fld>
             <a:endParaRPr lang="fr-FR"/>
           </a:p>
@@ -2055,7 +2055,7 @@
           <a:p>
             <a:fld id="{A216A33E-05C9-4B27-97C3-A48251CD706C}" type="datetimeFigureOut">
               <a:rPr lang="fr-FR" smtClean="0"/>
-              <a:t>15/03/2022</a:t>
+              <a:t>16/03/2022</a:t>
             </a:fld>
             <a:endParaRPr lang="fr-FR"/>
           </a:p>
@@ -2448,7 +2448,7 @@
           <a:p>
             <a:fld id="{A216A33E-05C9-4B27-97C3-A48251CD706C}" type="datetimeFigureOut">
               <a:rPr lang="fr-FR" smtClean="0"/>
-              <a:t>15/03/2022</a:t>
+              <a:t>16/03/2022</a:t>
             </a:fld>
             <a:endParaRPr lang="fr-FR"/>
           </a:p>
@@ -2618,7 +2618,7 @@
           <a:p>
             <a:fld id="{A216A33E-05C9-4B27-97C3-A48251CD706C}" type="datetimeFigureOut">
               <a:rPr lang="fr-FR" smtClean="0"/>
-              <a:t>15/03/2022</a:t>
+              <a:t>16/03/2022</a:t>
             </a:fld>
             <a:endParaRPr lang="fr-FR"/>
           </a:p>
@@ -2798,7 +2798,7 @@
           <a:p>
             <a:fld id="{A216A33E-05C9-4B27-97C3-A48251CD706C}" type="datetimeFigureOut">
               <a:rPr lang="fr-FR" smtClean="0"/>
-              <a:t>15/03/2022</a:t>
+              <a:t>16/03/2022</a:t>
             </a:fld>
             <a:endParaRPr lang="fr-FR"/>
           </a:p>
@@ -2974,7 +2974,7 @@
           <a:p>
             <a:fld id="{A216A33E-05C9-4B27-97C3-A48251CD706C}" type="datetimeFigureOut">
               <a:rPr lang="fr-FR" smtClean="0"/>
-              <a:t>15/03/2022</a:t>
+              <a:t>16/03/2022</a:t>
             </a:fld>
             <a:endParaRPr lang="fr-FR"/>
           </a:p>
@@ -3221,7 +3221,7 @@
           <a:p>
             <a:fld id="{A216A33E-05C9-4B27-97C3-A48251CD706C}" type="datetimeFigureOut">
               <a:rPr lang="fr-FR" smtClean="0"/>
-              <a:t>15/03/2022</a:t>
+              <a:t>16/03/2022</a:t>
             </a:fld>
             <a:endParaRPr lang="fr-FR"/>
           </a:p>
@@ -3453,7 +3453,7 @@
           <a:p>
             <a:fld id="{A216A33E-05C9-4B27-97C3-A48251CD706C}" type="datetimeFigureOut">
               <a:rPr lang="fr-FR" smtClean="0"/>
-              <a:t>15/03/2022</a:t>
+              <a:t>16/03/2022</a:t>
             </a:fld>
             <a:endParaRPr lang="fr-FR"/>
           </a:p>
@@ -3827,7 +3827,7 @@
           <a:p>
             <a:fld id="{A216A33E-05C9-4B27-97C3-A48251CD706C}" type="datetimeFigureOut">
               <a:rPr lang="fr-FR" smtClean="0"/>
-              <a:t>15/03/2022</a:t>
+              <a:t>16/03/2022</a:t>
             </a:fld>
             <a:endParaRPr lang="fr-FR"/>
           </a:p>
@@ -3950,7 +3950,7 @@
           <a:p>
             <a:fld id="{A216A33E-05C9-4B27-97C3-A48251CD706C}" type="datetimeFigureOut">
               <a:rPr lang="fr-FR" smtClean="0"/>
-              <a:t>15/03/2022</a:t>
+              <a:t>16/03/2022</a:t>
             </a:fld>
             <a:endParaRPr lang="fr-FR"/>
           </a:p>
@@ -4045,7 +4045,7 @@
           <a:p>
             <a:fld id="{A216A33E-05C9-4B27-97C3-A48251CD706C}" type="datetimeFigureOut">
               <a:rPr lang="fr-FR" smtClean="0"/>
-              <a:t>15/03/2022</a:t>
+              <a:t>16/03/2022</a:t>
             </a:fld>
             <a:endParaRPr lang="fr-FR"/>
           </a:p>
@@ -4300,7 +4300,7 @@
           <a:p>
             <a:fld id="{A216A33E-05C9-4B27-97C3-A48251CD706C}" type="datetimeFigureOut">
               <a:rPr lang="fr-FR" smtClean="0"/>
-              <a:t>15/03/2022</a:t>
+              <a:t>16/03/2022</a:t>
             </a:fld>
             <a:endParaRPr lang="fr-FR"/>
           </a:p>
@@ -4563,7 +4563,7 @@
           <a:p>
             <a:fld id="{A216A33E-05C9-4B27-97C3-A48251CD706C}" type="datetimeFigureOut">
               <a:rPr lang="fr-FR" smtClean="0"/>
-              <a:t>15/03/2022</a:t>
+              <a:t>16/03/2022</a:t>
             </a:fld>
             <a:endParaRPr lang="fr-FR"/>
           </a:p>
@@ -5306,7 +5306,7 @@
           <a:p>
             <a:fld id="{A216A33E-05C9-4B27-97C3-A48251CD706C}" type="datetimeFigureOut">
               <a:rPr lang="fr-FR" smtClean="0"/>
-              <a:t>15/03/2022</a:t>
+              <a:t>16/03/2022</a:t>
             </a:fld>
             <a:endParaRPr lang="fr-FR"/>
           </a:p>
@@ -6872,7 +6872,7 @@
         </p:nvSpPr>
         <p:spPr>
           <a:xfrm>
-            <a:off x="103577" y="108523"/>
+            <a:off x="112517" y="93032"/>
             <a:ext cx="2205605" cy="6292041"/>
           </a:xfrm>
           <a:prstGeom prst="rect">
@@ -6903,7 +6903,7 @@
           <a:lstStyle/>
           <a:p>
             <a:pPr algn="ctr"/>
-            <a:endParaRPr lang="fr-FR"/>
+            <a:endParaRPr lang="fr-FR" dirty="0"/>
           </a:p>
         </p:txBody>
       </p:sp>
@@ -7430,7 +7430,7 @@
         </p:nvSpPr>
         <p:spPr>
           <a:xfrm>
-            <a:off x="578129" y="491758"/>
+            <a:off x="578129" y="909895"/>
             <a:ext cx="1101585" cy="400110"/>
           </a:xfrm>
           <a:prstGeom prst="rect">
@@ -8309,7 +8309,7 @@
         <p:spPr>
           <a:xfrm>
             <a:off x="10356168" y="1700783"/>
-            <a:ext cx="1460563" cy="954107"/>
+            <a:ext cx="1460563" cy="830997"/>
           </a:xfrm>
           <a:prstGeom prst="rect">
             <a:avLst/>
@@ -8383,20 +8383,17 @@
             </a:r>
           </a:p>
           <a:p>
-            <a:endParaRPr lang="fr-FR" sz="800" dirty="0"/>
-          </a:p>
-          <a:p>
             <a:r>
               <a:rPr lang="fr-FR" sz="800" dirty="0"/>
               <a:t> </a:t>
             </a:r>
             <a:r>
               <a:rPr lang="fr-FR" sz="800" dirty="0" err="1"/>
-              <a:t>void</a:t>
+              <a:t>private</a:t>
             </a:r>
             <a:r>
               <a:rPr lang="fr-FR" sz="800" dirty="0"/>
-              <a:t> </a:t>
+              <a:t> String </a:t>
             </a:r>
             <a:r>
               <a:rPr lang="fr-FR" sz="800" dirty="0" err="1"/>
@@ -8404,15 +8401,7 @@
             </a:r>
             <a:r>
               <a:rPr lang="fr-FR" sz="800" dirty="0"/>
-              <a:t>(String </a:t>
-            </a:r>
-            <a:r>
-              <a:rPr lang="fr-FR" sz="800" dirty="0" err="1"/>
-              <a:t>color</a:t>
-            </a:r>
-            <a:r>
-              <a:rPr lang="fr-FR" sz="800" dirty="0"/>
-              <a:t>)</a:t>
+              <a:t>;</a:t>
             </a:r>
           </a:p>
         </p:txBody>
@@ -8613,7 +8602,7 @@
             </a:r>
             <a:r>
               <a:rPr lang="fr-FR" sz="800" dirty="0" err="1"/>
-              <a:t>calculAire</a:t>
+              <a:t>calculSurface</a:t>
             </a:r>
             <a:r>
               <a:rPr lang="fr-FR" sz="800" dirty="0"/>
@@ -8709,7 +8698,7 @@
         <p:spPr>
           <a:xfrm>
             <a:off x="10031893" y="5017016"/>
-            <a:ext cx="2075255" cy="338554"/>
+            <a:ext cx="2075255" cy="461665"/>
           </a:xfrm>
           <a:prstGeom prst="rect">
             <a:avLst/>
@@ -8750,6 +8739,20 @@
               <a:t>FigureGeometriqueInterface</a:t>
             </a:r>
             <a:endParaRPr lang="fr-FR" sz="800" dirty="0"/>
+          </a:p>
+          <a:p>
+            <a:r>
+              <a:rPr lang="fr-FR" sz="800" dirty="0"/>
+              <a:t>Double </a:t>
+            </a:r>
+            <a:r>
+              <a:rPr lang="fr-FR" sz="800" dirty="0" err="1"/>
+              <a:t>calculerHypothenuse</a:t>
+            </a:r>
+            <a:r>
+              <a:rPr lang="fr-FR" sz="800" dirty="0"/>
+              <a:t>();</a:t>
+            </a:r>
           </a:p>
         </p:txBody>
       </p:sp>
@@ -8904,6 +8907,42 @@
           </a:fontRef>
         </p:style>
       </p:cxnSp>
+      <p:sp>
+        <p:nvSpPr>
+          <p:cNvPr id="2" name="ZoneTexte 1">
+            <a:extLst>
+              <a:ext uri="{FF2B5EF4-FFF2-40B4-BE49-F238E27FC236}">
+                <a16:creationId xmlns:a16="http://schemas.microsoft.com/office/drawing/2014/main" id="{65239668-CDB9-425B-8001-536B203D079D}"/>
+              </a:ext>
+            </a:extLst>
+          </p:cNvPr>
+          <p:cNvSpPr txBox="1"/>
+          <p:nvPr/>
+        </p:nvSpPr>
+        <p:spPr>
+          <a:xfrm>
+            <a:off x="296101" y="198783"/>
+            <a:ext cx="1881398" cy="369332"/>
+          </a:xfrm>
+          <a:prstGeom prst="rect">
+            <a:avLst/>
+          </a:prstGeom>
+          <a:noFill/>
+        </p:spPr>
+        <p:txBody>
+          <a:bodyPr wrap="square" rtlCol="0">
+            <a:spAutoFit/>
+          </a:bodyPr>
+          <a:lstStyle/>
+          <a:p>
+            <a:r>
+              <a:rPr lang="fr-FR" dirty="0" err="1"/>
+              <a:t>MainServlet</a:t>
+            </a:r>
+            <a:endParaRPr lang="fr-FR" dirty="0"/>
+          </a:p>
+        </p:txBody>
+      </p:sp>
     </p:spTree>
     <p:extLst>
       <p:ext uri="{BB962C8B-B14F-4D97-AF65-F5344CB8AC3E}">
